--- a/2017/Interconnect 2017 - HDT-4470.pptx
+++ b/2017/Interconnect 2017 - HDT-4470.pptx
@@ -5,10 +5,10 @@
     <p:sldMasterId id="2147483648" r:id="rId1"/>
   </p:sldMasterIdLst>
   <p:notesMasterIdLst>
-    <p:notesMasterId r:id="rId38"/>
+    <p:notesMasterId r:id="rId39"/>
   </p:notesMasterIdLst>
   <p:handoutMasterIdLst>
-    <p:handoutMasterId r:id="rId39"/>
+    <p:handoutMasterId r:id="rId40"/>
   </p:handoutMasterIdLst>
   <p:sldIdLst>
     <p:sldId id="280" r:id="rId2"/>
@@ -29,8 +29,8 @@
     <p:sldId id="311" r:id="rId17"/>
     <p:sldId id="304" r:id="rId18"/>
     <p:sldId id="306" r:id="rId19"/>
-    <p:sldId id="308" r:id="rId20"/>
-    <p:sldId id="327" r:id="rId21"/>
+    <p:sldId id="327" r:id="rId20"/>
+    <p:sldId id="308" r:id="rId21"/>
     <p:sldId id="324" r:id="rId22"/>
     <p:sldId id="325" r:id="rId23"/>
     <p:sldId id="307" r:id="rId24"/>
@@ -45,8 +45,9 @@
     <p:sldId id="316" r:id="rId33"/>
     <p:sldId id="323" r:id="rId34"/>
     <p:sldId id="326" r:id="rId35"/>
-    <p:sldId id="295" r:id="rId36"/>
-    <p:sldId id="322" r:id="rId37"/>
+    <p:sldId id="328" r:id="rId36"/>
+    <p:sldId id="295" r:id="rId37"/>
+    <p:sldId id="322" r:id="rId38"/>
   </p:sldIdLst>
   <p:sldSz cx="12192000" cy="6858000"/>
   <p:notesSz cx="6858000" cy="9144000"/>
@@ -249,7 +250,7 @@
           <a:p>
             <a:fld id="{AC64624D-466C-2042-8A0A-5AA56DE2DC64}" type="datetimeFigureOut">
               <a:rPr lang="en-US" smtClean="0"/>
-              <a:t>3/12/17</a:t>
+              <a:t>3/22/17</a:t>
             </a:fld>
             <a:endParaRPr lang="en-US" dirty="0"/>
           </a:p>
@@ -414,7 +415,7 @@
           <a:p>
             <a:fld id="{A760D7BC-41EB-DC45-939C-558E874D2743}" type="datetimeFigureOut">
               <a:rPr lang="en-US" smtClean="0"/>
-              <a:t>3/12/17</a:t>
+              <a:t>3/22/17</a:t>
             </a:fld>
             <a:endParaRPr lang="en-US" dirty="0"/>
           </a:p>
@@ -1083,7 +1084,7 @@
           <a:p>
             <a:fld id="{0529C4E9-9815-2C4B-8773-F08204D37298}" type="slidenum">
               <a:rPr lang="en-US" smtClean="0"/>
-              <a:t>19</a:t>
+              <a:t>20</a:t>
             </a:fld>
             <a:endParaRPr lang="en-US" dirty="0"/>
           </a:p>
@@ -1686,7 +1687,7 @@
             <a:fld id="{CD911897-AAF5-9F48-8CFE-C7A0C3E8F556}" type="datetime1">
               <a:rPr lang="en-US" smtClean="0"/>
               <a:pPr/>
-              <a:t>3/12/17</a:t>
+              <a:t>3/22/17</a:t>
             </a:fld>
             <a:endParaRPr lang="en-US" dirty="0"/>
           </a:p>
@@ -2303,7 +2304,7 @@
             <a:fld id="{CD911897-AAF5-9F48-8CFE-C7A0C3E8F556}" type="datetime1">
               <a:rPr lang="en-US" smtClean="0"/>
               <a:pPr/>
-              <a:t>3/12/17</a:t>
+              <a:t>3/22/17</a:t>
             </a:fld>
             <a:endParaRPr lang="en-US" dirty="0"/>
           </a:p>
@@ -2679,7 +2680,7 @@
             <a:fld id="{CD911897-AAF5-9F48-8CFE-C7A0C3E8F556}" type="datetime1">
               <a:rPr lang="en-US" smtClean="0"/>
               <a:pPr/>
-              <a:t>3/12/17</a:t>
+              <a:t>3/22/17</a:t>
             </a:fld>
             <a:endParaRPr lang="en-US" dirty="0"/>
           </a:p>
@@ -3046,7 +3047,7 @@
             <a:fld id="{CD911897-AAF5-9F48-8CFE-C7A0C3E8F556}" type="datetime1">
               <a:rPr lang="en-US" smtClean="0"/>
               <a:pPr/>
-              <a:t>3/12/17</a:t>
+              <a:t>3/22/17</a:t>
             </a:fld>
             <a:endParaRPr lang="en-US" dirty="0"/>
           </a:p>
@@ -3792,7 +3793,7 @@
             <a:fld id="{CD911897-AAF5-9F48-8CFE-C7A0C3E8F556}" type="datetime1">
               <a:rPr lang="en-US" smtClean="0"/>
               <a:pPr/>
-              <a:t>3/12/17</a:t>
+              <a:t>3/22/17</a:t>
             </a:fld>
             <a:endParaRPr lang="en-US" dirty="0"/>
           </a:p>
@@ -3971,7 +3972,7 @@
             <a:fld id="{CD911897-AAF5-9F48-8CFE-C7A0C3E8F556}" type="datetime1">
               <a:rPr lang="en-US" smtClean="0"/>
               <a:pPr/>
-              <a:t>3/12/17</a:t>
+              <a:t>3/22/17</a:t>
             </a:fld>
             <a:endParaRPr lang="en-US" dirty="0"/>
           </a:p>
@@ -4390,7 +4391,7 @@
             <a:fld id="{CD911897-AAF5-9F48-8CFE-C7A0C3E8F556}" type="datetime1">
               <a:rPr lang="en-US" smtClean="0"/>
               <a:pPr/>
-              <a:t>3/12/17</a:t>
+              <a:t>3/22/17</a:t>
             </a:fld>
             <a:endParaRPr lang="en-US" dirty="0"/>
           </a:p>
@@ -4543,7 +4544,7 @@
             <a:fld id="{CD911897-AAF5-9F48-8CFE-C7A0C3E8F556}" type="datetime1">
               <a:rPr lang="en-US" smtClean="0"/>
               <a:pPr/>
-              <a:t>3/12/17</a:t>
+              <a:t>3/22/17</a:t>
             </a:fld>
             <a:endParaRPr lang="en-US" dirty="0"/>
           </a:p>
@@ -7408,7 +7409,7 @@
             <a:fld id="{CD911897-AAF5-9F48-8CFE-C7A0C3E8F556}" type="datetime1">
               <a:rPr lang="en-US" smtClean="0"/>
               <a:pPr/>
-              <a:t>3/12/17</a:t>
+              <a:t>3/22/17</a:t>
             </a:fld>
             <a:endParaRPr lang="en-US" dirty="0"/>
           </a:p>
@@ -10315,7 +10316,7 @@
             <a:fld id="{CD911897-AAF5-9F48-8CFE-C7A0C3E8F556}" type="datetime1">
               <a:rPr lang="en-US" smtClean="0"/>
               <a:pPr/>
-              <a:t>3/12/17</a:t>
+              <a:t>3/22/17</a:t>
             </a:fld>
             <a:endParaRPr lang="en-US" dirty="0"/>
           </a:p>
@@ -10601,7 +10602,7 @@
             <a:fld id="{CD911897-AAF5-9F48-8CFE-C7A0C3E8F556}" type="datetime1">
               <a:rPr lang="en-US" smtClean="0"/>
               <a:pPr/>
-              <a:t>3/12/17</a:t>
+              <a:t>3/22/17</a:t>
             </a:fld>
             <a:endParaRPr lang="en-US" dirty="0"/>
           </a:p>
@@ -10931,7 +10932,7 @@
             <a:fld id="{CD911897-AAF5-9F48-8CFE-C7A0C3E8F556}" type="datetime1">
               <a:rPr lang="en-US" smtClean="0"/>
               <a:pPr/>
-              <a:t>3/12/17</a:t>
+              <a:t>3/22/17</a:t>
             </a:fld>
             <a:endParaRPr lang="en-US" dirty="0"/>
           </a:p>
@@ -11215,7 +11216,7 @@
           <a:p>
             <a:fld id="{CD911897-AAF5-9F48-8CFE-C7A0C3E8F556}" type="datetime1">
               <a:rPr lang="en-US" smtClean="0"/>
-              <a:t>3/12/17</a:t>
+              <a:t>3/22/17</a:t>
             </a:fld>
             <a:endParaRPr lang="en-US" dirty="0"/>
           </a:p>
@@ -11706,7 +11707,7 @@
             <a:fld id="{CD911897-AAF5-9F48-8CFE-C7A0C3E8F556}" type="datetime1">
               <a:rPr lang="en-US" smtClean="0"/>
               <a:pPr/>
-              <a:t>3/12/17</a:t>
+              <a:t>3/22/17</a:t>
             </a:fld>
             <a:endParaRPr lang="en-US" dirty="0"/>
           </a:p>
@@ -11905,7 +11906,7 @@
             <a:fld id="{CD911897-AAF5-9F48-8CFE-C7A0C3E8F556}" type="datetime1">
               <a:rPr lang="en-US" smtClean="0"/>
               <a:pPr/>
-              <a:t>3/12/17</a:t>
+              <a:t>3/22/17</a:t>
             </a:fld>
             <a:endParaRPr lang="en-US" dirty="0"/>
           </a:p>
@@ -12108,7 +12109,7 @@
             <a:fld id="{CD911897-AAF5-9F48-8CFE-C7A0C3E8F556}" type="datetime1">
               <a:rPr lang="en-US" smtClean="0"/>
               <a:pPr/>
-              <a:t>3/12/17</a:t>
+              <a:t>3/22/17</a:t>
             </a:fld>
             <a:endParaRPr lang="en-US" dirty="0"/>
           </a:p>
@@ -12321,7 +12322,7 @@
             <a:fld id="{CD911897-AAF5-9F48-8CFE-C7A0C3E8F556}" type="datetime1">
               <a:rPr lang="en-US" smtClean="0"/>
               <a:pPr/>
-              <a:t>3/12/17</a:t>
+              <a:t>3/22/17</a:t>
             </a:fld>
             <a:endParaRPr lang="en-US" dirty="0"/>
           </a:p>
@@ -12621,7 +12622,7 @@
             <a:fld id="{CD911897-AAF5-9F48-8CFE-C7A0C3E8F556}" type="datetime1">
               <a:rPr lang="en-US" smtClean="0"/>
               <a:pPr/>
-              <a:t>3/12/17</a:t>
+              <a:t>3/22/17</a:t>
             </a:fld>
             <a:endParaRPr lang="en-US" dirty="0"/>
           </a:p>
@@ -12795,7 +12796,7 @@
             <a:fld id="{CD911897-AAF5-9F48-8CFE-C7A0C3E8F556}" type="datetime1">
               <a:rPr lang="en-US" smtClean="0"/>
               <a:pPr/>
-              <a:t>3/12/17</a:t>
+              <a:t>3/22/17</a:t>
             </a:fld>
             <a:endParaRPr lang="en-US" dirty="0"/>
           </a:p>
@@ -12968,7 +12969,7 @@
             <a:fld id="{CD911897-AAF5-9F48-8CFE-C7A0C3E8F556}" type="datetime1">
               <a:rPr lang="en-US" smtClean="0"/>
               <a:pPr/>
-              <a:t>3/12/17</a:t>
+              <a:t>3/22/17</a:t>
             </a:fld>
             <a:endParaRPr lang="en-US" dirty="0"/>
           </a:p>
@@ -14098,7 +14099,7 @@
         <p:spPr>
           <a:xfrm>
             <a:off x="270022" y="1206605"/>
-            <a:ext cx="11411905" cy="4248991"/>
+            <a:ext cx="11411905" cy="5265058"/>
           </a:xfrm>
         </p:spPr>
         <p:txBody>
@@ -14111,19 +14112,88 @@
             </a:pPr>
             <a:r>
               <a:rPr lang="en-US" dirty="0" smtClean="0"/>
-              <a:t>Our home-made logging </a:t>
-            </a:r>
+              <a:t>As part of all this, we created a custom object-based logging API </a:t>
+            </a:r>
+            <a:endParaRPr lang="en-US" dirty="0"/>
+          </a:p>
+          <a:p>
+            <a:pPr marL="1028700" lvl="1" indent="-342900">
+              <a:buFont typeface="Arial" panose="020B0604020202020204" pitchFamily="34" charset="0"/>
+              <a:buChar char="•"/>
+            </a:pPr>
+            <a:r>
+              <a:rPr lang="en-US" dirty="0" smtClean="0"/>
+              <a:t>We need more than just free-form text describing what happened.</a:t>
+            </a:r>
+          </a:p>
+          <a:p>
+            <a:pPr marL="1485900" lvl="2" indent="-342900">
+              <a:buFont typeface="Arial" panose="020B0604020202020204" pitchFamily="34" charset="0"/>
+              <a:buChar char="•"/>
+            </a:pPr>
+            <a:r>
+              <a:rPr lang="en-US" dirty="0" smtClean="0"/>
+              <a:t>Screenshots, uploaded/downloaded/generated files, test variables, </a:t>
+            </a:r>
+            <a:r>
+              <a:rPr lang="en-US" dirty="0" err="1" smtClean="0"/>
+              <a:t>etc</a:t>
+            </a:r>
+            <a:endParaRPr lang="en-US" dirty="0" smtClean="0"/>
+          </a:p>
+          <a:p>
+            <a:pPr marL="1028700" lvl="1" indent="-342900">
+              <a:buFont typeface="Arial" panose="020B0604020202020204" pitchFamily="34" charset="0"/>
+              <a:buChar char="•"/>
+            </a:pPr>
+            <a:r>
+              <a:rPr lang="en-US" dirty="0" smtClean="0"/>
+              <a:t>We output to multiple formats </a:t>
+            </a:r>
+          </a:p>
+          <a:p>
+            <a:pPr marL="1485900" lvl="2" indent="-342900">
+              <a:buFont typeface="Arial" panose="020B0604020202020204" pitchFamily="34" charset="0"/>
+              <a:buChar char="•"/>
+            </a:pPr>
+            <a:r>
+              <a:rPr lang="en-US" dirty="0" smtClean="0"/>
+              <a:t>2 forms of HTML, and one PDF layout now</a:t>
+            </a:r>
+          </a:p>
+          <a:p>
+            <a:pPr marL="1485900" lvl="2" indent="-342900">
+              <a:buFont typeface="Arial" panose="020B0604020202020204" pitchFamily="34" charset="0"/>
+              <a:buChar char="•"/>
+            </a:pPr>
+            <a:r>
+              <a:rPr lang="en-US" dirty="0" smtClean="0"/>
+              <a:t>Script writers are not allowed to think about what it looks like in the log</a:t>
+            </a:r>
+            <a:endParaRPr lang="is-IS" dirty="0" smtClean="0"/>
+          </a:p>
+          <a:p>
+            <a:pPr marL="1028700" lvl="1" indent="-342900">
+              <a:buFont typeface="Arial" panose="020B0604020202020204" pitchFamily="34" charset="0"/>
+              <a:buChar char="•"/>
+            </a:pPr>
+            <a:r>
+              <a:rPr lang="en-US" dirty="0" smtClean="0"/>
+              <a:t>Structured objects force script writers provide a baseline level of detail </a:t>
+            </a:r>
+          </a:p>
+          <a:p>
+            <a:pPr marL="1485900" lvl="2" indent="-342900">
+              <a:buFont typeface="Arial" panose="020B0604020202020204" pitchFamily="34" charset="0"/>
+              <a:buChar char="•"/>
+            </a:pPr>
             <a:r>
               <a:rPr lang="en-US" dirty="0"/>
-              <a:t>API in our framework writes to both RFT standard API and to </a:t>
+              <a:t>F</a:t>
             </a:r>
             <a:r>
               <a:rPr lang="en-US" dirty="0" smtClean="0"/>
-              <a:t>a central </a:t>
-            </a:r>
-            <a:r>
-              <a:rPr lang="en-US" dirty="0"/>
-              <a:t>database.</a:t>
+              <a:t>ree-form text APIs (e.g. log4j) can let people forget to include info</a:t>
             </a:r>
           </a:p>
           <a:p>
@@ -14131,6 +14201,13 @@
               <a:buFont typeface="Arial" panose="020B0604020202020204" pitchFamily="34" charset="0"/>
               <a:buChar char="•"/>
             </a:pPr>
+            <a:endParaRPr lang="en-US" dirty="0" smtClean="0"/>
+          </a:p>
+          <a:p>
+            <a:pPr marL="342900" indent="-342900">
+              <a:buFont typeface="Arial" panose="020B0604020202020204" pitchFamily="34" charset="0"/>
+              <a:buChar char="•"/>
+            </a:pPr>
             <a:r>
               <a:rPr lang="en-US" dirty="0" smtClean="0"/>
               <a:t>Logging </a:t>
@@ -14175,40 +14252,15 @@
             </a:r>
             <a:r>
               <a:rPr lang="en-US" dirty="0"/>
-              <a:t>) based on SHA-512 </a:t>
-            </a:r>
-            <a:r>
-              <a:rPr lang="en-US" dirty="0" smtClean="0"/>
-              <a:t>checksum</a:t>
-            </a:r>
-          </a:p>
-          <a:p>
-            <a:pPr marL="342900" indent="-342900">
+              <a:t>) based on SHA-512 checksum</a:t>
+            </a:r>
+          </a:p>
+          <a:p>
+            <a:pPr marL="1485900" lvl="2" indent="-342900">
               <a:buFont typeface="Arial" panose="020B0604020202020204" pitchFamily="34" charset="0"/>
               <a:buChar char="•"/>
             </a:pPr>
-            <a:r>
-              <a:rPr lang="en-US" dirty="0" smtClean="0"/>
-              <a:t>Script </a:t>
-            </a:r>
-            <a:r>
-              <a:rPr lang="en-US" dirty="0"/>
-              <a:t>writers are not allowed to concern themselves with how it looks</a:t>
-            </a:r>
-          </a:p>
-          <a:p>
-            <a:pPr marL="1028700" lvl="1" indent="-342900">
-              <a:buFont typeface="Arial" panose="020B0604020202020204" pitchFamily="34" charset="0"/>
-              <a:buChar char="•"/>
-            </a:pPr>
-            <a:r>
-              <a:rPr lang="en-US" dirty="0"/>
-              <a:t>"Just the </a:t>
-            </a:r>
-            <a:r>
-              <a:rPr lang="en-US" dirty="0" smtClean="0"/>
-              <a:t>facts"</a:t>
-            </a:r>
+            <a:endParaRPr lang="en-US" dirty="0" smtClean="0"/>
           </a:p>
         </p:txBody>
       </p:sp>
@@ -14254,7 +14306,7 @@
             <a:fld id="{CD911897-AAF5-9F48-8CFE-C7A0C3E8F556}" type="datetime1">
               <a:rPr lang="en-US" smtClean="0"/>
               <a:pPr/>
-              <a:t>3/12/17</a:t>
+              <a:t>3/22/17</a:t>
             </a:fld>
             <a:endParaRPr lang="en-US" dirty="0"/>
           </a:p>
@@ -14418,7 +14470,7 @@
             <a:fld id="{CD911897-AAF5-9F48-8CFE-C7A0C3E8F556}" type="datetime1">
               <a:rPr lang="en-US" smtClean="0"/>
               <a:pPr/>
-              <a:t>3/12/17</a:t>
+              <a:t>3/22/17</a:t>
             </a:fld>
             <a:endParaRPr lang="en-US" dirty="0"/>
           </a:p>
@@ -14810,7 +14862,7 @@
             <a:fld id="{CD911897-AAF5-9F48-8CFE-C7A0C3E8F556}" type="datetime1">
               <a:rPr lang="en-US" smtClean="0"/>
               <a:pPr/>
-              <a:t>3/12/17</a:t>
+              <a:t>3/22/17</a:t>
             </a:fld>
             <a:endParaRPr lang="en-US" dirty="0"/>
           </a:p>
@@ -15181,1207 +15233,6 @@
       </p:grpSpPr>
       <p:sp>
         <p:nvSpPr>
-          <p:cNvPr id="8" name="Text Placeholder 7"/>
-          <p:cNvSpPr>
-            <a:spLocks noGrp="1"/>
-          </p:cNvSpPr>
-          <p:nvPr>
-            <p:ph type="body" sz="quarter" idx="12"/>
-          </p:nvPr>
-        </p:nvSpPr>
-        <p:spPr>
-          <a:xfrm>
-            <a:off x="270022" y="1206605"/>
-            <a:ext cx="11262615" cy="2758905"/>
-          </a:xfrm>
-        </p:spPr>
-        <p:txBody>
-          <a:bodyPr/>
-          <a:lstStyle/>
-          <a:p>
-            <a:pPr marL="342900" indent="-342900">
-              <a:buFont typeface="Arial" panose="020B0604020202020204" pitchFamily="34" charset="0"/>
-              <a:buChar char="•"/>
-            </a:pPr>
-            <a:r>
-              <a:rPr lang="en-US" dirty="0"/>
-              <a:t>Bridged the two service APIs</a:t>
-            </a:r>
-          </a:p>
-          <a:p>
-            <a:pPr marL="1028700" lvl="1" indent="-342900">
-              <a:buFont typeface="Arial" panose="020B0604020202020204" pitchFamily="34" charset="0"/>
-              <a:buChar char="•"/>
-            </a:pPr>
-            <a:r>
-              <a:rPr lang="en-US" dirty="0"/>
-              <a:t>Takes requests from RQM.</a:t>
-            </a:r>
-          </a:p>
-          <a:p>
-            <a:pPr marL="1028700" lvl="1" indent="-342900">
-              <a:buFont typeface="Arial" panose="020B0604020202020204" pitchFamily="34" charset="0"/>
-              <a:buChar char="•"/>
-            </a:pPr>
-            <a:r>
-              <a:rPr lang="en-US" dirty="0"/>
-              <a:t>Translates them to Lab Manager requests</a:t>
-            </a:r>
-          </a:p>
-          <a:p>
-            <a:pPr marL="1028700" lvl="1" indent="-342900">
-              <a:buFont typeface="Arial" panose="020B0604020202020204" pitchFamily="34" charset="0"/>
-              <a:buChar char="•"/>
-            </a:pPr>
-            <a:r>
-              <a:rPr lang="en-US" dirty="0"/>
-              <a:t>Monitors progress in Lab Manager, updating RQM</a:t>
-            </a:r>
-          </a:p>
-          <a:p>
-            <a:pPr marL="1028700" lvl="1" indent="-342900">
-              <a:buFont typeface="Arial" panose="020B0604020202020204" pitchFamily="34" charset="0"/>
-              <a:buChar char="•"/>
-            </a:pPr>
-            <a:r>
-              <a:rPr lang="en-US" dirty="0"/>
-              <a:t>Gets final log from Lab Manager Logging DB.</a:t>
-            </a:r>
-          </a:p>
-          <a:p>
-            <a:pPr marL="1028700" lvl="1" indent="-342900">
-              <a:buFont typeface="Arial" panose="020B0604020202020204" pitchFamily="34" charset="0"/>
-              <a:buChar char="•"/>
-            </a:pPr>
-            <a:r>
-              <a:rPr lang="en-US" dirty="0"/>
-              <a:t>Sends result and log back to RQM as RQM-friendly HTML</a:t>
-            </a:r>
-          </a:p>
-          <a:p>
-            <a:pPr marL="342900" indent="-342900">
-              <a:buFont typeface="Arial" panose="020B0604020202020204" pitchFamily="34" charset="0"/>
-              <a:buChar char="•"/>
-            </a:pPr>
-            <a:r>
-              <a:rPr lang="en-US" dirty="0" smtClean="0"/>
-              <a:t>Requires us to use our own logging overlay framework in scripts.</a:t>
-            </a:r>
-          </a:p>
-          <a:p>
-            <a:pPr marL="342900" indent="-342900">
-              <a:buFont typeface="Arial" panose="020B0604020202020204" pitchFamily="34" charset="0"/>
-              <a:buChar char="•"/>
-            </a:pPr>
-            <a:r>
-              <a:rPr lang="en-US" dirty="0" smtClean="0"/>
-              <a:t>Could not make it work anywhere near as well with RFT's default logging</a:t>
-            </a:r>
-            <a:r>
-              <a:rPr lang="en-US" dirty="0"/>
-              <a:t> </a:t>
-            </a:r>
-            <a:r>
-              <a:rPr lang="en-US" dirty="0" smtClean="0"/>
-              <a:t>API / pipeline.</a:t>
-            </a:r>
-          </a:p>
-        </p:txBody>
-      </p:sp>
-      <p:sp>
-        <p:nvSpPr>
-          <p:cNvPr id="6" name="Slide Number Placeholder 5"/>
-          <p:cNvSpPr>
-            <a:spLocks noGrp="1"/>
-          </p:cNvSpPr>
-          <p:nvPr>
-            <p:ph type="sldNum" sz="quarter" idx="4"/>
-          </p:nvPr>
-        </p:nvSpPr>
-        <p:spPr/>
-        <p:txBody>
-          <a:bodyPr/>
-          <a:lstStyle/>
-          <a:p>
-            <a:fld id="{64A8A213-8E92-D94A-82D7-8578C89CAF17}" type="slidenum">
-              <a:rPr lang="en-US" smtClean="0"/>
-              <a:pPr/>
-              <a:t>19</a:t>
-            </a:fld>
-            <a:endParaRPr lang="en-US" dirty="0"/>
-          </a:p>
-        </p:txBody>
-      </p:sp>
-      <p:sp>
-        <p:nvSpPr>
-          <p:cNvPr id="7" name="Date Placeholder 6"/>
-          <p:cNvSpPr>
-            <a:spLocks noGrp="1"/>
-          </p:cNvSpPr>
-          <p:nvPr>
-            <p:ph type="dt" sz="half" idx="2"/>
-          </p:nvPr>
-        </p:nvSpPr>
-        <p:spPr/>
-        <p:txBody>
-          <a:bodyPr/>
-          <a:lstStyle/>
-          <a:p>
-            <a:fld id="{CD911897-AAF5-9F48-8CFE-C7A0C3E8F556}" type="datetime1">
-              <a:rPr lang="en-US" smtClean="0"/>
-              <a:pPr/>
-              <a:t>3/12/17</a:t>
-            </a:fld>
-            <a:endParaRPr lang="en-US" dirty="0"/>
-          </a:p>
-        </p:txBody>
-      </p:sp>
-      <p:sp>
-        <p:nvSpPr>
-          <p:cNvPr id="5" name="Text Placeholder 4"/>
-          <p:cNvSpPr>
-            <a:spLocks noGrp="1"/>
-          </p:cNvSpPr>
-          <p:nvPr>
-            <p:ph type="body" sz="quarter" idx="11"/>
-          </p:nvPr>
-        </p:nvSpPr>
-        <p:spPr/>
-        <p:txBody>
-          <a:bodyPr/>
-          <a:lstStyle/>
-          <a:p>
-            <a:r>
-              <a:rPr lang="en-US" dirty="0" smtClean="0"/>
-              <a:t>RQM Bridge</a:t>
-            </a:r>
-            <a:endParaRPr lang="en-US" dirty="0"/>
-          </a:p>
-        </p:txBody>
-      </p:sp>
-      <p:sp>
-        <p:nvSpPr>
-          <p:cNvPr id="2" name="TextBox 1"/>
-          <p:cNvSpPr txBox="1"/>
-          <p:nvPr/>
-        </p:nvSpPr>
-        <p:spPr>
-          <a:xfrm>
-            <a:off x="1119673" y="3965510"/>
-            <a:ext cx="5495731" cy="503853"/>
-          </a:xfrm>
-          <a:prstGeom prst="rect">
-            <a:avLst/>
-          </a:prstGeom>
-        </p:spPr>
-        <p:txBody>
-          <a:bodyPr vert="horz" wrap="square" lIns="91440" tIns="45720" rIns="91440" bIns="45720" rtlCol="0" anchor="t" anchorCtr="0">
-            <a:noAutofit/>
-          </a:bodyPr>
-          <a:lstStyle/>
-          <a:p>
-            <a:pPr>
-              <a:lnSpc>
-                <a:spcPct val="90000"/>
-              </a:lnSpc>
-              <a:spcBef>
-                <a:spcPts val="1000"/>
-              </a:spcBef>
-            </a:pPr>
-            <a:endParaRPr lang="en-US" sz="2500" dirty="0" smtClean="0"/>
-          </a:p>
-        </p:txBody>
-      </p:sp>
-    </p:spTree>
-    <p:extLst>
-      <p:ext uri="{BB962C8B-B14F-4D97-AF65-F5344CB8AC3E}">
-        <p14:creationId xmlns:p14="http://schemas.microsoft.com/office/powerpoint/2010/main" val="2912970637"/>
-      </p:ext>
-    </p:extLst>
-  </p:cSld>
-  <p:clrMapOvr>
-    <a:masterClrMapping/>
-  </p:clrMapOvr>
-  <p:timing>
-    <p:tnLst>
-      <p:par>
-        <p:cTn id="1" dur="indefinite" restart="never" nodeType="tmRoot">
-          <p:childTnLst>
-            <p:seq concurrent="1" nextAc="seek">
-              <p:cTn id="2" dur="indefinite" nodeType="mainSeq">
-                <p:childTnLst>
-                  <p:par>
-                    <p:cTn id="3" fill="hold">
-                      <p:stCondLst>
-                        <p:cond delay="indefinite"/>
-                      </p:stCondLst>
-                      <p:childTnLst>
-                        <p:par>
-                          <p:cTn id="4" fill="hold">
-                            <p:stCondLst>
-                              <p:cond delay="0"/>
-                            </p:stCondLst>
-                            <p:childTnLst>
-                              <p:par>
-                                <p:cTn id="5" presetID="2" presetClass="entr" presetSubtype="4" fill="hold" grpId="0" nodeType="clickEffect">
-                                  <p:stCondLst>
-                                    <p:cond delay="0"/>
-                                  </p:stCondLst>
-                                  <p:childTnLst>
-                                    <p:set>
-                                      <p:cBhvr>
-                                        <p:cTn id="6" dur="1" fill="hold">
-                                          <p:stCondLst>
-                                            <p:cond delay="0"/>
-                                          </p:stCondLst>
-                                        </p:cTn>
-                                        <p:tgtEl>
-                                          <p:spTgt spid="8">
-                                            <p:txEl>
-                                              <p:pRg st="0" end="0"/>
-                                            </p:txEl>
-                                          </p:spTgt>
-                                        </p:tgtEl>
-                                        <p:attrNameLst>
-                                          <p:attrName>style.visibility</p:attrName>
-                                        </p:attrNameLst>
-                                      </p:cBhvr>
-                                      <p:to>
-                                        <p:strVal val="visible"/>
-                                      </p:to>
-                                    </p:set>
-                                    <p:anim calcmode="lin" valueType="num">
-                                      <p:cBhvr additive="base">
-                                        <p:cTn id="7" dur="500" fill="hold"/>
-                                        <p:tgtEl>
-                                          <p:spTgt spid="8">
-                                            <p:txEl>
-                                              <p:pRg st="0" end="0"/>
-                                            </p:txEl>
-                                          </p:spTgt>
-                                        </p:tgtEl>
-                                        <p:attrNameLst>
-                                          <p:attrName>ppt_x</p:attrName>
-                                        </p:attrNameLst>
-                                      </p:cBhvr>
-                                      <p:tavLst>
-                                        <p:tav tm="0">
-                                          <p:val>
-                                            <p:strVal val="#ppt_x"/>
-                                          </p:val>
-                                        </p:tav>
-                                        <p:tav tm="100000">
-                                          <p:val>
-                                            <p:strVal val="#ppt_x"/>
-                                          </p:val>
-                                        </p:tav>
-                                      </p:tavLst>
-                                    </p:anim>
-                                    <p:anim calcmode="lin" valueType="num">
-                                      <p:cBhvr additive="base">
-                                        <p:cTn id="8" dur="500" fill="hold"/>
-                                        <p:tgtEl>
-                                          <p:spTgt spid="8">
-                                            <p:txEl>
-                                              <p:pRg st="0" end="0"/>
-                                            </p:txEl>
-                                          </p:spTgt>
-                                        </p:tgtEl>
-                                        <p:attrNameLst>
-                                          <p:attrName>ppt_y</p:attrName>
-                                        </p:attrNameLst>
-                                      </p:cBhvr>
-                                      <p:tavLst>
-                                        <p:tav tm="0">
-                                          <p:val>
-                                            <p:strVal val="1+#ppt_h/2"/>
-                                          </p:val>
-                                        </p:tav>
-                                        <p:tav tm="100000">
-                                          <p:val>
-                                            <p:strVal val="#ppt_y"/>
-                                          </p:val>
-                                        </p:tav>
-                                      </p:tavLst>
-                                    </p:anim>
-                                  </p:childTnLst>
-                                </p:cTn>
-                              </p:par>
-                              <p:par>
-                                <p:cTn id="9" presetID="2" presetClass="entr" presetSubtype="4" fill="hold" grpId="0" nodeType="withEffect">
-                                  <p:stCondLst>
-                                    <p:cond delay="0"/>
-                                  </p:stCondLst>
-                                  <p:childTnLst>
-                                    <p:set>
-                                      <p:cBhvr>
-                                        <p:cTn id="10" dur="1" fill="hold">
-                                          <p:stCondLst>
-                                            <p:cond delay="0"/>
-                                          </p:stCondLst>
-                                        </p:cTn>
-                                        <p:tgtEl>
-                                          <p:spTgt spid="8">
-                                            <p:txEl>
-                                              <p:pRg st="1" end="1"/>
-                                            </p:txEl>
-                                          </p:spTgt>
-                                        </p:tgtEl>
-                                        <p:attrNameLst>
-                                          <p:attrName>style.visibility</p:attrName>
-                                        </p:attrNameLst>
-                                      </p:cBhvr>
-                                      <p:to>
-                                        <p:strVal val="visible"/>
-                                      </p:to>
-                                    </p:set>
-                                    <p:anim calcmode="lin" valueType="num">
-                                      <p:cBhvr additive="base">
-                                        <p:cTn id="11" dur="500" fill="hold"/>
-                                        <p:tgtEl>
-                                          <p:spTgt spid="8">
-                                            <p:txEl>
-                                              <p:pRg st="1" end="1"/>
-                                            </p:txEl>
-                                          </p:spTgt>
-                                        </p:tgtEl>
-                                        <p:attrNameLst>
-                                          <p:attrName>ppt_x</p:attrName>
-                                        </p:attrNameLst>
-                                      </p:cBhvr>
-                                      <p:tavLst>
-                                        <p:tav tm="0">
-                                          <p:val>
-                                            <p:strVal val="#ppt_x"/>
-                                          </p:val>
-                                        </p:tav>
-                                        <p:tav tm="100000">
-                                          <p:val>
-                                            <p:strVal val="#ppt_x"/>
-                                          </p:val>
-                                        </p:tav>
-                                      </p:tavLst>
-                                    </p:anim>
-                                    <p:anim calcmode="lin" valueType="num">
-                                      <p:cBhvr additive="base">
-                                        <p:cTn id="12" dur="500" fill="hold"/>
-                                        <p:tgtEl>
-                                          <p:spTgt spid="8">
-                                            <p:txEl>
-                                              <p:pRg st="1" end="1"/>
-                                            </p:txEl>
-                                          </p:spTgt>
-                                        </p:tgtEl>
-                                        <p:attrNameLst>
-                                          <p:attrName>ppt_y</p:attrName>
-                                        </p:attrNameLst>
-                                      </p:cBhvr>
-                                      <p:tavLst>
-                                        <p:tav tm="0">
-                                          <p:val>
-                                            <p:strVal val="1+#ppt_h/2"/>
-                                          </p:val>
-                                        </p:tav>
-                                        <p:tav tm="100000">
-                                          <p:val>
-                                            <p:strVal val="#ppt_y"/>
-                                          </p:val>
-                                        </p:tav>
-                                      </p:tavLst>
-                                    </p:anim>
-                                  </p:childTnLst>
-                                </p:cTn>
-                              </p:par>
-                              <p:par>
-                                <p:cTn id="13" presetID="2" presetClass="entr" presetSubtype="4" fill="hold" grpId="0" nodeType="withEffect">
-                                  <p:stCondLst>
-                                    <p:cond delay="0"/>
-                                  </p:stCondLst>
-                                  <p:childTnLst>
-                                    <p:set>
-                                      <p:cBhvr>
-                                        <p:cTn id="14" dur="1" fill="hold">
-                                          <p:stCondLst>
-                                            <p:cond delay="0"/>
-                                          </p:stCondLst>
-                                        </p:cTn>
-                                        <p:tgtEl>
-                                          <p:spTgt spid="8">
-                                            <p:txEl>
-                                              <p:pRg st="2" end="2"/>
-                                            </p:txEl>
-                                          </p:spTgt>
-                                        </p:tgtEl>
-                                        <p:attrNameLst>
-                                          <p:attrName>style.visibility</p:attrName>
-                                        </p:attrNameLst>
-                                      </p:cBhvr>
-                                      <p:to>
-                                        <p:strVal val="visible"/>
-                                      </p:to>
-                                    </p:set>
-                                    <p:anim calcmode="lin" valueType="num">
-                                      <p:cBhvr additive="base">
-                                        <p:cTn id="15" dur="500" fill="hold"/>
-                                        <p:tgtEl>
-                                          <p:spTgt spid="8">
-                                            <p:txEl>
-                                              <p:pRg st="2" end="2"/>
-                                            </p:txEl>
-                                          </p:spTgt>
-                                        </p:tgtEl>
-                                        <p:attrNameLst>
-                                          <p:attrName>ppt_x</p:attrName>
-                                        </p:attrNameLst>
-                                      </p:cBhvr>
-                                      <p:tavLst>
-                                        <p:tav tm="0">
-                                          <p:val>
-                                            <p:strVal val="#ppt_x"/>
-                                          </p:val>
-                                        </p:tav>
-                                        <p:tav tm="100000">
-                                          <p:val>
-                                            <p:strVal val="#ppt_x"/>
-                                          </p:val>
-                                        </p:tav>
-                                      </p:tavLst>
-                                    </p:anim>
-                                    <p:anim calcmode="lin" valueType="num">
-                                      <p:cBhvr additive="base">
-                                        <p:cTn id="16" dur="500" fill="hold"/>
-                                        <p:tgtEl>
-                                          <p:spTgt spid="8">
-                                            <p:txEl>
-                                              <p:pRg st="2" end="2"/>
-                                            </p:txEl>
-                                          </p:spTgt>
-                                        </p:tgtEl>
-                                        <p:attrNameLst>
-                                          <p:attrName>ppt_y</p:attrName>
-                                        </p:attrNameLst>
-                                      </p:cBhvr>
-                                      <p:tavLst>
-                                        <p:tav tm="0">
-                                          <p:val>
-                                            <p:strVal val="1+#ppt_h/2"/>
-                                          </p:val>
-                                        </p:tav>
-                                        <p:tav tm="100000">
-                                          <p:val>
-                                            <p:strVal val="#ppt_y"/>
-                                          </p:val>
-                                        </p:tav>
-                                      </p:tavLst>
-                                    </p:anim>
-                                  </p:childTnLst>
-                                </p:cTn>
-                              </p:par>
-                              <p:par>
-                                <p:cTn id="17" presetID="2" presetClass="entr" presetSubtype="4" fill="hold" grpId="0" nodeType="withEffect">
-                                  <p:stCondLst>
-                                    <p:cond delay="0"/>
-                                  </p:stCondLst>
-                                  <p:childTnLst>
-                                    <p:set>
-                                      <p:cBhvr>
-                                        <p:cTn id="18" dur="1" fill="hold">
-                                          <p:stCondLst>
-                                            <p:cond delay="0"/>
-                                          </p:stCondLst>
-                                        </p:cTn>
-                                        <p:tgtEl>
-                                          <p:spTgt spid="8">
-                                            <p:txEl>
-                                              <p:pRg st="3" end="3"/>
-                                            </p:txEl>
-                                          </p:spTgt>
-                                        </p:tgtEl>
-                                        <p:attrNameLst>
-                                          <p:attrName>style.visibility</p:attrName>
-                                        </p:attrNameLst>
-                                      </p:cBhvr>
-                                      <p:to>
-                                        <p:strVal val="visible"/>
-                                      </p:to>
-                                    </p:set>
-                                    <p:anim calcmode="lin" valueType="num">
-                                      <p:cBhvr additive="base">
-                                        <p:cTn id="19" dur="500" fill="hold"/>
-                                        <p:tgtEl>
-                                          <p:spTgt spid="8">
-                                            <p:txEl>
-                                              <p:pRg st="3" end="3"/>
-                                            </p:txEl>
-                                          </p:spTgt>
-                                        </p:tgtEl>
-                                        <p:attrNameLst>
-                                          <p:attrName>ppt_x</p:attrName>
-                                        </p:attrNameLst>
-                                      </p:cBhvr>
-                                      <p:tavLst>
-                                        <p:tav tm="0">
-                                          <p:val>
-                                            <p:strVal val="#ppt_x"/>
-                                          </p:val>
-                                        </p:tav>
-                                        <p:tav tm="100000">
-                                          <p:val>
-                                            <p:strVal val="#ppt_x"/>
-                                          </p:val>
-                                        </p:tav>
-                                      </p:tavLst>
-                                    </p:anim>
-                                    <p:anim calcmode="lin" valueType="num">
-                                      <p:cBhvr additive="base">
-                                        <p:cTn id="20" dur="500" fill="hold"/>
-                                        <p:tgtEl>
-                                          <p:spTgt spid="8">
-                                            <p:txEl>
-                                              <p:pRg st="3" end="3"/>
-                                            </p:txEl>
-                                          </p:spTgt>
-                                        </p:tgtEl>
-                                        <p:attrNameLst>
-                                          <p:attrName>ppt_y</p:attrName>
-                                        </p:attrNameLst>
-                                      </p:cBhvr>
-                                      <p:tavLst>
-                                        <p:tav tm="0">
-                                          <p:val>
-                                            <p:strVal val="1+#ppt_h/2"/>
-                                          </p:val>
-                                        </p:tav>
-                                        <p:tav tm="100000">
-                                          <p:val>
-                                            <p:strVal val="#ppt_y"/>
-                                          </p:val>
-                                        </p:tav>
-                                      </p:tavLst>
-                                    </p:anim>
-                                  </p:childTnLst>
-                                </p:cTn>
-                              </p:par>
-                              <p:par>
-                                <p:cTn id="21" presetID="2" presetClass="entr" presetSubtype="4" fill="hold" grpId="0" nodeType="withEffect">
-                                  <p:stCondLst>
-                                    <p:cond delay="0"/>
-                                  </p:stCondLst>
-                                  <p:childTnLst>
-                                    <p:set>
-                                      <p:cBhvr>
-                                        <p:cTn id="22" dur="1" fill="hold">
-                                          <p:stCondLst>
-                                            <p:cond delay="0"/>
-                                          </p:stCondLst>
-                                        </p:cTn>
-                                        <p:tgtEl>
-                                          <p:spTgt spid="8">
-                                            <p:txEl>
-                                              <p:pRg st="4" end="4"/>
-                                            </p:txEl>
-                                          </p:spTgt>
-                                        </p:tgtEl>
-                                        <p:attrNameLst>
-                                          <p:attrName>style.visibility</p:attrName>
-                                        </p:attrNameLst>
-                                      </p:cBhvr>
-                                      <p:to>
-                                        <p:strVal val="visible"/>
-                                      </p:to>
-                                    </p:set>
-                                    <p:anim calcmode="lin" valueType="num">
-                                      <p:cBhvr additive="base">
-                                        <p:cTn id="23" dur="500" fill="hold"/>
-                                        <p:tgtEl>
-                                          <p:spTgt spid="8">
-                                            <p:txEl>
-                                              <p:pRg st="4" end="4"/>
-                                            </p:txEl>
-                                          </p:spTgt>
-                                        </p:tgtEl>
-                                        <p:attrNameLst>
-                                          <p:attrName>ppt_x</p:attrName>
-                                        </p:attrNameLst>
-                                      </p:cBhvr>
-                                      <p:tavLst>
-                                        <p:tav tm="0">
-                                          <p:val>
-                                            <p:strVal val="#ppt_x"/>
-                                          </p:val>
-                                        </p:tav>
-                                        <p:tav tm="100000">
-                                          <p:val>
-                                            <p:strVal val="#ppt_x"/>
-                                          </p:val>
-                                        </p:tav>
-                                      </p:tavLst>
-                                    </p:anim>
-                                    <p:anim calcmode="lin" valueType="num">
-                                      <p:cBhvr additive="base">
-                                        <p:cTn id="24" dur="500" fill="hold"/>
-                                        <p:tgtEl>
-                                          <p:spTgt spid="8">
-                                            <p:txEl>
-                                              <p:pRg st="4" end="4"/>
-                                            </p:txEl>
-                                          </p:spTgt>
-                                        </p:tgtEl>
-                                        <p:attrNameLst>
-                                          <p:attrName>ppt_y</p:attrName>
-                                        </p:attrNameLst>
-                                      </p:cBhvr>
-                                      <p:tavLst>
-                                        <p:tav tm="0">
-                                          <p:val>
-                                            <p:strVal val="1+#ppt_h/2"/>
-                                          </p:val>
-                                        </p:tav>
-                                        <p:tav tm="100000">
-                                          <p:val>
-                                            <p:strVal val="#ppt_y"/>
-                                          </p:val>
-                                        </p:tav>
-                                      </p:tavLst>
-                                    </p:anim>
-                                  </p:childTnLst>
-                                </p:cTn>
-                              </p:par>
-                              <p:par>
-                                <p:cTn id="25" presetID="2" presetClass="entr" presetSubtype="4" fill="hold" grpId="0" nodeType="withEffect">
-                                  <p:stCondLst>
-                                    <p:cond delay="0"/>
-                                  </p:stCondLst>
-                                  <p:childTnLst>
-                                    <p:set>
-                                      <p:cBhvr>
-                                        <p:cTn id="26" dur="1" fill="hold">
-                                          <p:stCondLst>
-                                            <p:cond delay="0"/>
-                                          </p:stCondLst>
-                                        </p:cTn>
-                                        <p:tgtEl>
-                                          <p:spTgt spid="8">
-                                            <p:txEl>
-                                              <p:pRg st="5" end="5"/>
-                                            </p:txEl>
-                                          </p:spTgt>
-                                        </p:tgtEl>
-                                        <p:attrNameLst>
-                                          <p:attrName>style.visibility</p:attrName>
-                                        </p:attrNameLst>
-                                      </p:cBhvr>
-                                      <p:to>
-                                        <p:strVal val="visible"/>
-                                      </p:to>
-                                    </p:set>
-                                    <p:anim calcmode="lin" valueType="num">
-                                      <p:cBhvr additive="base">
-                                        <p:cTn id="27" dur="500" fill="hold"/>
-                                        <p:tgtEl>
-                                          <p:spTgt spid="8">
-                                            <p:txEl>
-                                              <p:pRg st="5" end="5"/>
-                                            </p:txEl>
-                                          </p:spTgt>
-                                        </p:tgtEl>
-                                        <p:attrNameLst>
-                                          <p:attrName>ppt_x</p:attrName>
-                                        </p:attrNameLst>
-                                      </p:cBhvr>
-                                      <p:tavLst>
-                                        <p:tav tm="0">
-                                          <p:val>
-                                            <p:strVal val="#ppt_x"/>
-                                          </p:val>
-                                        </p:tav>
-                                        <p:tav tm="100000">
-                                          <p:val>
-                                            <p:strVal val="#ppt_x"/>
-                                          </p:val>
-                                        </p:tav>
-                                      </p:tavLst>
-                                    </p:anim>
-                                    <p:anim calcmode="lin" valueType="num">
-                                      <p:cBhvr additive="base">
-                                        <p:cTn id="28" dur="500" fill="hold"/>
-                                        <p:tgtEl>
-                                          <p:spTgt spid="8">
-                                            <p:txEl>
-                                              <p:pRg st="5" end="5"/>
-                                            </p:txEl>
-                                          </p:spTgt>
-                                        </p:tgtEl>
-                                        <p:attrNameLst>
-                                          <p:attrName>ppt_y</p:attrName>
-                                        </p:attrNameLst>
-                                      </p:cBhvr>
-                                      <p:tavLst>
-                                        <p:tav tm="0">
-                                          <p:val>
-                                            <p:strVal val="1+#ppt_h/2"/>
-                                          </p:val>
-                                        </p:tav>
-                                        <p:tav tm="100000">
-                                          <p:val>
-                                            <p:strVal val="#ppt_y"/>
-                                          </p:val>
-                                        </p:tav>
-                                      </p:tavLst>
-                                    </p:anim>
-                                  </p:childTnLst>
-                                </p:cTn>
-                              </p:par>
-                            </p:childTnLst>
-                          </p:cTn>
-                        </p:par>
-                      </p:childTnLst>
-                    </p:cTn>
-                  </p:par>
-                  <p:par>
-                    <p:cTn id="29" fill="hold">
-                      <p:stCondLst>
-                        <p:cond delay="indefinite"/>
-                      </p:stCondLst>
-                      <p:childTnLst>
-                        <p:par>
-                          <p:cTn id="30" fill="hold">
-                            <p:stCondLst>
-                              <p:cond delay="0"/>
-                            </p:stCondLst>
-                            <p:childTnLst>
-                              <p:par>
-                                <p:cTn id="31" presetID="2" presetClass="entr" presetSubtype="4" fill="hold" grpId="0" nodeType="clickEffect">
-                                  <p:stCondLst>
-                                    <p:cond delay="0"/>
-                                  </p:stCondLst>
-                                  <p:childTnLst>
-                                    <p:set>
-                                      <p:cBhvr>
-                                        <p:cTn id="32" dur="1" fill="hold">
-                                          <p:stCondLst>
-                                            <p:cond delay="0"/>
-                                          </p:stCondLst>
-                                        </p:cTn>
-                                        <p:tgtEl>
-                                          <p:spTgt spid="8">
-                                            <p:txEl>
-                                              <p:pRg st="6" end="6"/>
-                                            </p:txEl>
-                                          </p:spTgt>
-                                        </p:tgtEl>
-                                        <p:attrNameLst>
-                                          <p:attrName>style.visibility</p:attrName>
-                                        </p:attrNameLst>
-                                      </p:cBhvr>
-                                      <p:to>
-                                        <p:strVal val="visible"/>
-                                      </p:to>
-                                    </p:set>
-                                    <p:anim calcmode="lin" valueType="num">
-                                      <p:cBhvr additive="base">
-                                        <p:cTn id="33" dur="500" fill="hold"/>
-                                        <p:tgtEl>
-                                          <p:spTgt spid="8">
-                                            <p:txEl>
-                                              <p:pRg st="6" end="6"/>
-                                            </p:txEl>
-                                          </p:spTgt>
-                                        </p:tgtEl>
-                                        <p:attrNameLst>
-                                          <p:attrName>ppt_x</p:attrName>
-                                        </p:attrNameLst>
-                                      </p:cBhvr>
-                                      <p:tavLst>
-                                        <p:tav tm="0">
-                                          <p:val>
-                                            <p:strVal val="#ppt_x"/>
-                                          </p:val>
-                                        </p:tav>
-                                        <p:tav tm="100000">
-                                          <p:val>
-                                            <p:strVal val="#ppt_x"/>
-                                          </p:val>
-                                        </p:tav>
-                                      </p:tavLst>
-                                    </p:anim>
-                                    <p:anim calcmode="lin" valueType="num">
-                                      <p:cBhvr additive="base">
-                                        <p:cTn id="34" dur="500" fill="hold"/>
-                                        <p:tgtEl>
-                                          <p:spTgt spid="8">
-                                            <p:txEl>
-                                              <p:pRg st="6" end="6"/>
-                                            </p:txEl>
-                                          </p:spTgt>
-                                        </p:tgtEl>
-                                        <p:attrNameLst>
-                                          <p:attrName>ppt_y</p:attrName>
-                                        </p:attrNameLst>
-                                      </p:cBhvr>
-                                      <p:tavLst>
-                                        <p:tav tm="0">
-                                          <p:val>
-                                            <p:strVal val="1+#ppt_h/2"/>
-                                          </p:val>
-                                        </p:tav>
-                                        <p:tav tm="100000">
-                                          <p:val>
-                                            <p:strVal val="#ppt_y"/>
-                                          </p:val>
-                                        </p:tav>
-                                      </p:tavLst>
-                                    </p:anim>
-                                  </p:childTnLst>
-                                </p:cTn>
-                              </p:par>
-                            </p:childTnLst>
-                          </p:cTn>
-                        </p:par>
-                      </p:childTnLst>
-                    </p:cTn>
-                  </p:par>
-                  <p:par>
-                    <p:cTn id="35" fill="hold">
-                      <p:stCondLst>
-                        <p:cond delay="indefinite"/>
-                      </p:stCondLst>
-                      <p:childTnLst>
-                        <p:par>
-                          <p:cTn id="36" fill="hold">
-                            <p:stCondLst>
-                              <p:cond delay="0"/>
-                            </p:stCondLst>
-                            <p:childTnLst>
-                              <p:par>
-                                <p:cTn id="37" presetID="2" presetClass="entr" presetSubtype="4" fill="hold" grpId="0" nodeType="clickEffect">
-                                  <p:stCondLst>
-                                    <p:cond delay="0"/>
-                                  </p:stCondLst>
-                                  <p:childTnLst>
-                                    <p:set>
-                                      <p:cBhvr>
-                                        <p:cTn id="38" dur="1" fill="hold">
-                                          <p:stCondLst>
-                                            <p:cond delay="0"/>
-                                          </p:stCondLst>
-                                        </p:cTn>
-                                        <p:tgtEl>
-                                          <p:spTgt spid="8">
-                                            <p:txEl>
-                                              <p:pRg st="7" end="7"/>
-                                            </p:txEl>
-                                          </p:spTgt>
-                                        </p:tgtEl>
-                                        <p:attrNameLst>
-                                          <p:attrName>style.visibility</p:attrName>
-                                        </p:attrNameLst>
-                                      </p:cBhvr>
-                                      <p:to>
-                                        <p:strVal val="visible"/>
-                                      </p:to>
-                                    </p:set>
-                                    <p:anim calcmode="lin" valueType="num">
-                                      <p:cBhvr additive="base">
-                                        <p:cTn id="39" dur="500" fill="hold"/>
-                                        <p:tgtEl>
-                                          <p:spTgt spid="8">
-                                            <p:txEl>
-                                              <p:pRg st="7" end="7"/>
-                                            </p:txEl>
-                                          </p:spTgt>
-                                        </p:tgtEl>
-                                        <p:attrNameLst>
-                                          <p:attrName>ppt_x</p:attrName>
-                                        </p:attrNameLst>
-                                      </p:cBhvr>
-                                      <p:tavLst>
-                                        <p:tav tm="0">
-                                          <p:val>
-                                            <p:strVal val="#ppt_x"/>
-                                          </p:val>
-                                        </p:tav>
-                                        <p:tav tm="100000">
-                                          <p:val>
-                                            <p:strVal val="#ppt_x"/>
-                                          </p:val>
-                                        </p:tav>
-                                      </p:tavLst>
-                                    </p:anim>
-                                    <p:anim calcmode="lin" valueType="num">
-                                      <p:cBhvr additive="base">
-                                        <p:cTn id="40" dur="500" fill="hold"/>
-                                        <p:tgtEl>
-                                          <p:spTgt spid="8">
-                                            <p:txEl>
-                                              <p:pRg st="7" end="7"/>
-                                            </p:txEl>
-                                          </p:spTgt>
-                                        </p:tgtEl>
-                                        <p:attrNameLst>
-                                          <p:attrName>ppt_y</p:attrName>
-                                        </p:attrNameLst>
-                                      </p:cBhvr>
-                                      <p:tavLst>
-                                        <p:tav tm="0">
-                                          <p:val>
-                                            <p:strVal val="1+#ppt_h/2"/>
-                                          </p:val>
-                                        </p:tav>
-                                        <p:tav tm="100000">
-                                          <p:val>
-                                            <p:strVal val="#ppt_y"/>
-                                          </p:val>
-                                        </p:tav>
-                                      </p:tavLst>
-                                    </p:anim>
-                                  </p:childTnLst>
-                                </p:cTn>
-                              </p:par>
-                            </p:childTnLst>
-                          </p:cTn>
-                        </p:par>
-                      </p:childTnLst>
-                    </p:cTn>
-                  </p:par>
-                </p:childTnLst>
-              </p:cTn>
-              <p:prevCondLst>
-                <p:cond evt="onPrev" delay="0">
-                  <p:tgtEl>
-                    <p:sldTgt/>
-                  </p:tgtEl>
-                </p:cond>
-              </p:prevCondLst>
-              <p:nextCondLst>
-                <p:cond evt="onNext" delay="0">
-                  <p:tgtEl>
-                    <p:sldTgt/>
-                  </p:tgtEl>
-                </p:cond>
-              </p:nextCondLst>
-            </p:seq>
-          </p:childTnLst>
-        </p:cTn>
-      </p:par>
-    </p:tnLst>
-    <p:bldLst>
-      <p:bldP spid="8" grpId="0" build="p"/>
-    </p:bldLst>
-  </p:timing>
-</p:sld>
-</file>
-
-<file path=ppt/slides/slide2.xml><?xml version="1.0" encoding="utf-8"?>
-<p:sld xmlns:a="http://schemas.openxmlformats.org/drawingml/2006/main" xmlns:r="http://schemas.openxmlformats.org/officeDocument/2006/relationships" xmlns:p="http://schemas.openxmlformats.org/presentationml/2006/main">
-  <p:cSld>
-    <p:spTree>
-      <p:nvGrpSpPr>
-        <p:cNvPr id="1" name=""/>
-        <p:cNvGrpSpPr/>
-        <p:nvPr/>
-      </p:nvGrpSpPr>
-      <p:grpSpPr>
-        <a:xfrm>
-          <a:off x="0" y="0"/>
-          <a:ext cx="0" cy="0"/>
-          <a:chOff x="0" y="0"/>
-          <a:chExt cx="0" cy="0"/>
-        </a:xfrm>
-      </p:grpSpPr>
-      <p:sp>
-        <p:nvSpPr>
-          <p:cNvPr id="2" name="Text Placeholder 1"/>
-          <p:cNvSpPr>
-            <a:spLocks noGrp="1"/>
-          </p:cNvSpPr>
-          <p:nvPr>
-            <p:ph type="body" sz="quarter" idx="11"/>
-          </p:nvPr>
-        </p:nvSpPr>
-        <p:spPr/>
-        <p:txBody>
-          <a:bodyPr/>
-          <a:lstStyle/>
-          <a:p>
-            <a:r>
-              <a:rPr lang="en-US" dirty="0" smtClean="0"/>
-              <a:t>Session Overview</a:t>
-            </a:r>
-            <a:endParaRPr lang="en-US" dirty="0"/>
-          </a:p>
-        </p:txBody>
-      </p:sp>
-      <p:sp>
-        <p:nvSpPr>
-          <p:cNvPr id="3" name="Text Placeholder 2"/>
-          <p:cNvSpPr>
-            <a:spLocks noGrp="1"/>
-          </p:cNvSpPr>
-          <p:nvPr>
-            <p:ph type="body" sz="quarter" idx="12"/>
-          </p:nvPr>
-        </p:nvSpPr>
-        <p:spPr/>
-        <p:txBody>
-          <a:bodyPr/>
-          <a:lstStyle/>
-          <a:p>
-            <a:pPr marL="457200" indent="-457200">
-              <a:buFont typeface="Arial" panose="020B0604020202020204" pitchFamily="34" charset="0"/>
-              <a:buChar char="•"/>
-            </a:pPr>
-            <a:r>
-              <a:rPr lang="en-US" dirty="0" smtClean="0"/>
-              <a:t>Who Are We</a:t>
-            </a:r>
-          </a:p>
-          <a:p>
-            <a:pPr marL="457200" indent="-457200">
-              <a:buFont typeface="Arial" panose="020B0604020202020204" pitchFamily="34" charset="0"/>
-              <a:buChar char="•"/>
-            </a:pPr>
-            <a:r>
-              <a:rPr lang="en-US" dirty="0" smtClean="0"/>
-              <a:t>History</a:t>
-            </a:r>
-          </a:p>
-          <a:p>
-            <a:pPr marL="457200" indent="-457200">
-              <a:buFont typeface="Arial" panose="020B0604020202020204" pitchFamily="34" charset="0"/>
-              <a:buChar char="•"/>
-            </a:pPr>
-            <a:r>
-              <a:rPr lang="en-US" dirty="0" smtClean="0"/>
-              <a:t>Hardware</a:t>
-            </a:r>
-          </a:p>
-          <a:p>
-            <a:pPr marL="457200" indent="-457200">
-              <a:buFont typeface="Arial" panose="020B0604020202020204" pitchFamily="34" charset="0"/>
-              <a:buChar char="•"/>
-            </a:pPr>
-            <a:r>
-              <a:rPr lang="en-US" dirty="0" smtClean="0"/>
-              <a:t>Software</a:t>
-            </a:r>
-          </a:p>
-          <a:p>
-            <a:pPr marL="457200" indent="-457200">
-              <a:buFont typeface="Arial" panose="020B0604020202020204" pitchFamily="34" charset="0"/>
-              <a:buChar char="•"/>
-            </a:pPr>
-            <a:r>
-              <a:rPr lang="en-US" dirty="0" smtClean="0"/>
-              <a:t>Lessons Learned</a:t>
-            </a:r>
-          </a:p>
-          <a:p>
-            <a:pPr marL="457200" indent="-457200">
-              <a:buFont typeface="Arial" panose="020B0604020202020204" pitchFamily="34" charset="0"/>
-              <a:buChar char="•"/>
-            </a:pPr>
-            <a:r>
-              <a:rPr lang="en-US" dirty="0" smtClean="0"/>
-              <a:t>Questions</a:t>
-            </a:r>
-          </a:p>
-          <a:p>
-            <a:pPr marL="457200" indent="-457200">
-              <a:buFont typeface="Arial" panose="020B0604020202020204" pitchFamily="34" charset="0"/>
-              <a:buChar char="•"/>
-            </a:pPr>
-            <a:endParaRPr lang="en-US" dirty="0"/>
-          </a:p>
-        </p:txBody>
-      </p:sp>
-      <p:sp>
-        <p:nvSpPr>
-          <p:cNvPr id="4" name="Slide Number Placeholder 3"/>
-          <p:cNvSpPr>
-            <a:spLocks noGrp="1"/>
-          </p:cNvSpPr>
-          <p:nvPr>
-            <p:ph type="sldNum" sz="quarter" idx="4"/>
-          </p:nvPr>
-        </p:nvSpPr>
-        <p:spPr/>
-        <p:txBody>
-          <a:bodyPr/>
-          <a:lstStyle/>
-          <a:p>
-            <a:fld id="{64A8A213-8E92-D94A-82D7-8578C89CAF17}" type="slidenum">
-              <a:rPr lang="en-US" smtClean="0"/>
-              <a:pPr/>
-              <a:t>2</a:t>
-            </a:fld>
-            <a:endParaRPr lang="en-US" dirty="0"/>
-          </a:p>
-        </p:txBody>
-      </p:sp>
-      <p:sp>
-        <p:nvSpPr>
-          <p:cNvPr id="5" name="Date Placeholder 4"/>
-          <p:cNvSpPr>
-            <a:spLocks noGrp="1"/>
-          </p:cNvSpPr>
-          <p:nvPr>
-            <p:ph type="dt" sz="half" idx="2"/>
-          </p:nvPr>
-        </p:nvSpPr>
-        <p:spPr/>
-        <p:txBody>
-          <a:bodyPr/>
-          <a:lstStyle/>
-          <a:p>
-            <a:fld id="{CD911897-AAF5-9F48-8CFE-C7A0C3E8F556}" type="datetime1">
-              <a:rPr lang="en-US" smtClean="0"/>
-              <a:pPr/>
-              <a:t>3/12/17</a:t>
-            </a:fld>
-            <a:endParaRPr lang="en-US" dirty="0"/>
-          </a:p>
-        </p:txBody>
-      </p:sp>
-    </p:spTree>
-    <p:extLst>
-      <p:ext uri="{BB962C8B-B14F-4D97-AF65-F5344CB8AC3E}">
-        <p14:creationId xmlns:p14="http://schemas.microsoft.com/office/powerpoint/2010/main" val="2114466593"/>
-      </p:ext>
-    </p:extLst>
-  </p:cSld>
-  <p:clrMapOvr>
-    <a:masterClrMapping/>
-  </p:clrMapOvr>
-  <p:timing>
-    <p:tnLst>
-      <p:par>
-        <p:cTn id="1" dur="indefinite" restart="never" nodeType="tmRoot"/>
-      </p:par>
-    </p:tnLst>
-  </p:timing>
-</p:sld>
-</file>
-
-<file path=ppt/slides/slide20.xml><?xml version="1.0" encoding="utf-8"?>
-<p:sld xmlns:a="http://schemas.openxmlformats.org/drawingml/2006/main" xmlns:r="http://schemas.openxmlformats.org/officeDocument/2006/relationships" xmlns:p="http://schemas.openxmlformats.org/presentationml/2006/main">
-  <p:cSld>
-    <p:spTree>
-      <p:nvGrpSpPr>
-        <p:cNvPr id="1" name=""/>
-        <p:cNvGrpSpPr/>
-        <p:nvPr/>
-      </p:nvGrpSpPr>
-      <p:grpSpPr>
-        <a:xfrm>
-          <a:off x="0" y="0"/>
-          <a:ext cx="0" cy="0"/>
-          <a:chOff x="0" y="0"/>
-          <a:chExt cx="0" cy="0"/>
-        </a:xfrm>
-      </p:grpSpPr>
-      <p:sp>
-        <p:nvSpPr>
           <p:cNvPr id="5" name="Slide Number Placeholder 4"/>
           <p:cNvSpPr>
             <a:spLocks noGrp="1"/>
@@ -16398,7 +15249,7 @@
             <a:fld id="{64A8A213-8E92-D94A-82D7-8578C89CAF17}" type="slidenum">
               <a:rPr lang="en-US" smtClean="0"/>
               <a:pPr/>
-              <a:t>20</a:t>
+              <a:t>19</a:t>
             </a:fld>
             <a:endParaRPr lang="en-US" dirty="0"/>
           </a:p>
@@ -16422,7 +15273,7 @@
             <a:fld id="{CD911897-AAF5-9F48-8CFE-C7A0C3E8F556}" type="datetime1">
               <a:rPr lang="en-US" smtClean="0"/>
               <a:pPr/>
-              <a:t>3/12/17</a:t>
+              <a:t>3/22/17</a:t>
             </a:fld>
             <a:endParaRPr lang="en-US" dirty="0"/>
           </a:p>
@@ -17234,7 +16085,6 @@
               <a:rPr lang="en-US" sz="2400" b="1" dirty="0" smtClean="0"/>
               <a:t>RQM Server</a:t>
             </a:r>
-            <a:endParaRPr lang="en-US" sz="2400" b="1" dirty="0" smtClean="0"/>
           </a:p>
         </p:txBody>
       </p:sp>
@@ -17304,7 +16154,6 @@
               <a:rPr lang="en-US" sz="2400" b="1" dirty="0" smtClean="0"/>
               <a:t>RQM Server</a:t>
             </a:r>
-            <a:endParaRPr lang="en-US" sz="2400" b="1" dirty="0" smtClean="0"/>
           </a:p>
         </p:txBody>
       </p:sp>
@@ -17318,6 +16167,1207 @@
   <p:clrMapOvr>
     <a:masterClrMapping/>
   </p:clrMapOvr>
+</p:sld>
+</file>
+
+<file path=ppt/slides/slide2.xml><?xml version="1.0" encoding="utf-8"?>
+<p:sld xmlns:a="http://schemas.openxmlformats.org/drawingml/2006/main" xmlns:r="http://schemas.openxmlformats.org/officeDocument/2006/relationships" xmlns:p="http://schemas.openxmlformats.org/presentationml/2006/main">
+  <p:cSld>
+    <p:spTree>
+      <p:nvGrpSpPr>
+        <p:cNvPr id="1" name=""/>
+        <p:cNvGrpSpPr/>
+        <p:nvPr/>
+      </p:nvGrpSpPr>
+      <p:grpSpPr>
+        <a:xfrm>
+          <a:off x="0" y="0"/>
+          <a:ext cx="0" cy="0"/>
+          <a:chOff x="0" y="0"/>
+          <a:chExt cx="0" cy="0"/>
+        </a:xfrm>
+      </p:grpSpPr>
+      <p:sp>
+        <p:nvSpPr>
+          <p:cNvPr id="2" name="Text Placeholder 1"/>
+          <p:cNvSpPr>
+            <a:spLocks noGrp="1"/>
+          </p:cNvSpPr>
+          <p:nvPr>
+            <p:ph type="body" sz="quarter" idx="11"/>
+          </p:nvPr>
+        </p:nvSpPr>
+        <p:spPr/>
+        <p:txBody>
+          <a:bodyPr/>
+          <a:lstStyle/>
+          <a:p>
+            <a:r>
+              <a:rPr lang="en-US" dirty="0" smtClean="0"/>
+              <a:t>Session Overview</a:t>
+            </a:r>
+            <a:endParaRPr lang="en-US" dirty="0"/>
+          </a:p>
+        </p:txBody>
+      </p:sp>
+      <p:sp>
+        <p:nvSpPr>
+          <p:cNvPr id="3" name="Text Placeholder 2"/>
+          <p:cNvSpPr>
+            <a:spLocks noGrp="1"/>
+          </p:cNvSpPr>
+          <p:nvPr>
+            <p:ph type="body" sz="quarter" idx="12"/>
+          </p:nvPr>
+        </p:nvSpPr>
+        <p:spPr/>
+        <p:txBody>
+          <a:bodyPr/>
+          <a:lstStyle/>
+          <a:p>
+            <a:pPr marL="457200" indent="-457200">
+              <a:buFont typeface="Arial" panose="020B0604020202020204" pitchFamily="34" charset="0"/>
+              <a:buChar char="•"/>
+            </a:pPr>
+            <a:r>
+              <a:rPr lang="en-US" dirty="0" smtClean="0"/>
+              <a:t>Who Are We</a:t>
+            </a:r>
+          </a:p>
+          <a:p>
+            <a:pPr marL="457200" indent="-457200">
+              <a:buFont typeface="Arial" panose="020B0604020202020204" pitchFamily="34" charset="0"/>
+              <a:buChar char="•"/>
+            </a:pPr>
+            <a:r>
+              <a:rPr lang="en-US" dirty="0" smtClean="0"/>
+              <a:t>History</a:t>
+            </a:r>
+          </a:p>
+          <a:p>
+            <a:pPr marL="457200" indent="-457200">
+              <a:buFont typeface="Arial" panose="020B0604020202020204" pitchFamily="34" charset="0"/>
+              <a:buChar char="•"/>
+            </a:pPr>
+            <a:r>
+              <a:rPr lang="en-US" dirty="0" smtClean="0"/>
+              <a:t>Hardware</a:t>
+            </a:r>
+          </a:p>
+          <a:p>
+            <a:pPr marL="457200" indent="-457200">
+              <a:buFont typeface="Arial" panose="020B0604020202020204" pitchFamily="34" charset="0"/>
+              <a:buChar char="•"/>
+            </a:pPr>
+            <a:r>
+              <a:rPr lang="en-US" dirty="0" smtClean="0"/>
+              <a:t>Software</a:t>
+            </a:r>
+          </a:p>
+          <a:p>
+            <a:pPr marL="457200" indent="-457200">
+              <a:buFont typeface="Arial" panose="020B0604020202020204" pitchFamily="34" charset="0"/>
+              <a:buChar char="•"/>
+            </a:pPr>
+            <a:r>
+              <a:rPr lang="en-US" dirty="0" smtClean="0"/>
+              <a:t>Lessons Learned</a:t>
+            </a:r>
+          </a:p>
+          <a:p>
+            <a:pPr marL="457200" indent="-457200">
+              <a:buFont typeface="Arial" panose="020B0604020202020204" pitchFamily="34" charset="0"/>
+              <a:buChar char="•"/>
+            </a:pPr>
+            <a:r>
+              <a:rPr lang="en-US" dirty="0" smtClean="0"/>
+              <a:t>Questions</a:t>
+            </a:r>
+          </a:p>
+          <a:p>
+            <a:pPr marL="457200" indent="-457200">
+              <a:buFont typeface="Arial" panose="020B0604020202020204" pitchFamily="34" charset="0"/>
+              <a:buChar char="•"/>
+            </a:pPr>
+            <a:endParaRPr lang="en-US" dirty="0"/>
+          </a:p>
+        </p:txBody>
+      </p:sp>
+      <p:sp>
+        <p:nvSpPr>
+          <p:cNvPr id="4" name="Slide Number Placeholder 3"/>
+          <p:cNvSpPr>
+            <a:spLocks noGrp="1"/>
+          </p:cNvSpPr>
+          <p:nvPr>
+            <p:ph type="sldNum" sz="quarter" idx="4"/>
+          </p:nvPr>
+        </p:nvSpPr>
+        <p:spPr/>
+        <p:txBody>
+          <a:bodyPr/>
+          <a:lstStyle/>
+          <a:p>
+            <a:fld id="{64A8A213-8E92-D94A-82D7-8578C89CAF17}" type="slidenum">
+              <a:rPr lang="en-US" smtClean="0"/>
+              <a:pPr/>
+              <a:t>2</a:t>
+            </a:fld>
+            <a:endParaRPr lang="en-US" dirty="0"/>
+          </a:p>
+        </p:txBody>
+      </p:sp>
+      <p:sp>
+        <p:nvSpPr>
+          <p:cNvPr id="5" name="Date Placeholder 4"/>
+          <p:cNvSpPr>
+            <a:spLocks noGrp="1"/>
+          </p:cNvSpPr>
+          <p:nvPr>
+            <p:ph type="dt" sz="half" idx="2"/>
+          </p:nvPr>
+        </p:nvSpPr>
+        <p:spPr/>
+        <p:txBody>
+          <a:bodyPr/>
+          <a:lstStyle/>
+          <a:p>
+            <a:fld id="{CD911897-AAF5-9F48-8CFE-C7A0C3E8F556}" type="datetime1">
+              <a:rPr lang="en-US" smtClean="0"/>
+              <a:pPr/>
+              <a:t>3/22/17</a:t>
+            </a:fld>
+            <a:endParaRPr lang="en-US" dirty="0"/>
+          </a:p>
+        </p:txBody>
+      </p:sp>
+    </p:spTree>
+    <p:extLst>
+      <p:ext uri="{BB962C8B-B14F-4D97-AF65-F5344CB8AC3E}">
+        <p14:creationId xmlns:p14="http://schemas.microsoft.com/office/powerpoint/2010/main" val="2114466593"/>
+      </p:ext>
+    </p:extLst>
+  </p:cSld>
+  <p:clrMapOvr>
+    <a:masterClrMapping/>
+  </p:clrMapOvr>
+  <p:timing>
+    <p:tnLst>
+      <p:par>
+        <p:cTn id="1" dur="indefinite" restart="never" nodeType="tmRoot"/>
+      </p:par>
+    </p:tnLst>
+  </p:timing>
+</p:sld>
+</file>
+
+<file path=ppt/slides/slide20.xml><?xml version="1.0" encoding="utf-8"?>
+<p:sld xmlns:a="http://schemas.openxmlformats.org/drawingml/2006/main" xmlns:r="http://schemas.openxmlformats.org/officeDocument/2006/relationships" xmlns:p="http://schemas.openxmlformats.org/presentationml/2006/main">
+  <p:cSld>
+    <p:spTree>
+      <p:nvGrpSpPr>
+        <p:cNvPr id="1" name=""/>
+        <p:cNvGrpSpPr/>
+        <p:nvPr/>
+      </p:nvGrpSpPr>
+      <p:grpSpPr>
+        <a:xfrm>
+          <a:off x="0" y="0"/>
+          <a:ext cx="0" cy="0"/>
+          <a:chOff x="0" y="0"/>
+          <a:chExt cx="0" cy="0"/>
+        </a:xfrm>
+      </p:grpSpPr>
+      <p:sp>
+        <p:nvSpPr>
+          <p:cNvPr id="8" name="Text Placeholder 7"/>
+          <p:cNvSpPr>
+            <a:spLocks noGrp="1"/>
+          </p:cNvSpPr>
+          <p:nvPr>
+            <p:ph type="body" sz="quarter" idx="12"/>
+          </p:nvPr>
+        </p:nvSpPr>
+        <p:spPr>
+          <a:xfrm>
+            <a:off x="270022" y="1206605"/>
+            <a:ext cx="11262615" cy="2758905"/>
+          </a:xfrm>
+        </p:spPr>
+        <p:txBody>
+          <a:bodyPr/>
+          <a:lstStyle/>
+          <a:p>
+            <a:pPr marL="342900" indent="-342900">
+              <a:buFont typeface="Arial" panose="020B0604020202020204" pitchFamily="34" charset="0"/>
+              <a:buChar char="•"/>
+            </a:pPr>
+            <a:r>
+              <a:rPr lang="en-US" dirty="0"/>
+              <a:t>Bridged the two service APIs</a:t>
+            </a:r>
+          </a:p>
+          <a:p>
+            <a:pPr marL="1028700" lvl="1" indent="-342900">
+              <a:buFont typeface="Arial" panose="020B0604020202020204" pitchFamily="34" charset="0"/>
+              <a:buChar char="•"/>
+            </a:pPr>
+            <a:r>
+              <a:rPr lang="en-US" dirty="0"/>
+              <a:t>Takes requests from RQM.</a:t>
+            </a:r>
+          </a:p>
+          <a:p>
+            <a:pPr marL="1028700" lvl="1" indent="-342900">
+              <a:buFont typeface="Arial" panose="020B0604020202020204" pitchFamily="34" charset="0"/>
+              <a:buChar char="•"/>
+            </a:pPr>
+            <a:r>
+              <a:rPr lang="en-US" dirty="0"/>
+              <a:t>Translates them to Lab Manager requests</a:t>
+            </a:r>
+          </a:p>
+          <a:p>
+            <a:pPr marL="1028700" lvl="1" indent="-342900">
+              <a:buFont typeface="Arial" panose="020B0604020202020204" pitchFamily="34" charset="0"/>
+              <a:buChar char="•"/>
+            </a:pPr>
+            <a:r>
+              <a:rPr lang="en-US" dirty="0"/>
+              <a:t>Monitors progress in Lab Manager, updating RQM</a:t>
+            </a:r>
+          </a:p>
+          <a:p>
+            <a:pPr marL="1028700" lvl="1" indent="-342900">
+              <a:buFont typeface="Arial" panose="020B0604020202020204" pitchFamily="34" charset="0"/>
+              <a:buChar char="•"/>
+            </a:pPr>
+            <a:r>
+              <a:rPr lang="en-US" dirty="0"/>
+              <a:t>Gets final log from Lab Manager Logging DB.</a:t>
+            </a:r>
+          </a:p>
+          <a:p>
+            <a:pPr marL="1028700" lvl="1" indent="-342900">
+              <a:buFont typeface="Arial" panose="020B0604020202020204" pitchFamily="34" charset="0"/>
+              <a:buChar char="•"/>
+            </a:pPr>
+            <a:r>
+              <a:rPr lang="en-US" dirty="0"/>
+              <a:t>Sends result and log back to RQM as RQM-friendly HTML</a:t>
+            </a:r>
+          </a:p>
+          <a:p>
+            <a:pPr marL="342900" indent="-342900">
+              <a:buFont typeface="Arial" panose="020B0604020202020204" pitchFamily="34" charset="0"/>
+              <a:buChar char="•"/>
+            </a:pPr>
+            <a:r>
+              <a:rPr lang="en-US" dirty="0" smtClean="0"/>
+              <a:t>Requires us to use our own logging overlay framework in scripts.</a:t>
+            </a:r>
+          </a:p>
+          <a:p>
+            <a:pPr marL="342900" indent="-342900">
+              <a:buFont typeface="Arial" panose="020B0604020202020204" pitchFamily="34" charset="0"/>
+              <a:buChar char="•"/>
+            </a:pPr>
+            <a:r>
+              <a:rPr lang="en-US" dirty="0" smtClean="0"/>
+              <a:t>Could not make it work anywhere near as well with RFT's default logging</a:t>
+            </a:r>
+            <a:r>
+              <a:rPr lang="en-US" dirty="0"/>
+              <a:t> </a:t>
+            </a:r>
+            <a:r>
+              <a:rPr lang="en-US" dirty="0" smtClean="0"/>
+              <a:t>API / pipeline.</a:t>
+            </a:r>
+          </a:p>
+        </p:txBody>
+      </p:sp>
+      <p:sp>
+        <p:nvSpPr>
+          <p:cNvPr id="6" name="Slide Number Placeholder 5"/>
+          <p:cNvSpPr>
+            <a:spLocks noGrp="1"/>
+          </p:cNvSpPr>
+          <p:nvPr>
+            <p:ph type="sldNum" sz="quarter" idx="4"/>
+          </p:nvPr>
+        </p:nvSpPr>
+        <p:spPr/>
+        <p:txBody>
+          <a:bodyPr/>
+          <a:lstStyle/>
+          <a:p>
+            <a:fld id="{64A8A213-8E92-D94A-82D7-8578C89CAF17}" type="slidenum">
+              <a:rPr lang="en-US" smtClean="0"/>
+              <a:pPr/>
+              <a:t>20</a:t>
+            </a:fld>
+            <a:endParaRPr lang="en-US" dirty="0"/>
+          </a:p>
+        </p:txBody>
+      </p:sp>
+      <p:sp>
+        <p:nvSpPr>
+          <p:cNvPr id="7" name="Date Placeholder 6"/>
+          <p:cNvSpPr>
+            <a:spLocks noGrp="1"/>
+          </p:cNvSpPr>
+          <p:nvPr>
+            <p:ph type="dt" sz="half" idx="2"/>
+          </p:nvPr>
+        </p:nvSpPr>
+        <p:spPr/>
+        <p:txBody>
+          <a:bodyPr/>
+          <a:lstStyle/>
+          <a:p>
+            <a:fld id="{CD911897-AAF5-9F48-8CFE-C7A0C3E8F556}" type="datetime1">
+              <a:rPr lang="en-US" smtClean="0"/>
+              <a:pPr/>
+              <a:t>3/22/17</a:t>
+            </a:fld>
+            <a:endParaRPr lang="en-US" dirty="0"/>
+          </a:p>
+        </p:txBody>
+      </p:sp>
+      <p:sp>
+        <p:nvSpPr>
+          <p:cNvPr id="5" name="Text Placeholder 4"/>
+          <p:cNvSpPr>
+            <a:spLocks noGrp="1"/>
+          </p:cNvSpPr>
+          <p:nvPr>
+            <p:ph type="body" sz="quarter" idx="11"/>
+          </p:nvPr>
+        </p:nvSpPr>
+        <p:spPr/>
+        <p:txBody>
+          <a:bodyPr/>
+          <a:lstStyle/>
+          <a:p>
+            <a:r>
+              <a:rPr lang="en-US" dirty="0" smtClean="0"/>
+              <a:t>RQM Bridge</a:t>
+            </a:r>
+            <a:endParaRPr lang="en-US" dirty="0"/>
+          </a:p>
+        </p:txBody>
+      </p:sp>
+      <p:sp>
+        <p:nvSpPr>
+          <p:cNvPr id="2" name="TextBox 1"/>
+          <p:cNvSpPr txBox="1"/>
+          <p:nvPr/>
+        </p:nvSpPr>
+        <p:spPr>
+          <a:xfrm>
+            <a:off x="1119673" y="3965510"/>
+            <a:ext cx="5495731" cy="503853"/>
+          </a:xfrm>
+          <a:prstGeom prst="rect">
+            <a:avLst/>
+          </a:prstGeom>
+        </p:spPr>
+        <p:txBody>
+          <a:bodyPr vert="horz" wrap="square" lIns="91440" tIns="45720" rIns="91440" bIns="45720" rtlCol="0" anchor="t" anchorCtr="0">
+            <a:noAutofit/>
+          </a:bodyPr>
+          <a:lstStyle/>
+          <a:p>
+            <a:pPr>
+              <a:lnSpc>
+                <a:spcPct val="90000"/>
+              </a:lnSpc>
+              <a:spcBef>
+                <a:spcPts val="1000"/>
+              </a:spcBef>
+            </a:pPr>
+            <a:endParaRPr lang="en-US" sz="2500" dirty="0" smtClean="0"/>
+          </a:p>
+        </p:txBody>
+      </p:sp>
+    </p:spTree>
+    <p:extLst>
+      <p:ext uri="{BB962C8B-B14F-4D97-AF65-F5344CB8AC3E}">
+        <p14:creationId xmlns:p14="http://schemas.microsoft.com/office/powerpoint/2010/main" val="2912970637"/>
+      </p:ext>
+    </p:extLst>
+  </p:cSld>
+  <p:clrMapOvr>
+    <a:masterClrMapping/>
+  </p:clrMapOvr>
+  <p:timing>
+    <p:tnLst>
+      <p:par>
+        <p:cTn id="1" dur="indefinite" restart="never" nodeType="tmRoot">
+          <p:childTnLst>
+            <p:seq concurrent="1" nextAc="seek">
+              <p:cTn id="2" dur="indefinite" nodeType="mainSeq">
+                <p:childTnLst>
+                  <p:par>
+                    <p:cTn id="3" fill="hold">
+                      <p:stCondLst>
+                        <p:cond delay="indefinite"/>
+                      </p:stCondLst>
+                      <p:childTnLst>
+                        <p:par>
+                          <p:cTn id="4" fill="hold">
+                            <p:stCondLst>
+                              <p:cond delay="0"/>
+                            </p:stCondLst>
+                            <p:childTnLst>
+                              <p:par>
+                                <p:cTn id="5" presetID="2" presetClass="entr" presetSubtype="4" fill="hold" grpId="0" nodeType="clickEffect">
+                                  <p:stCondLst>
+                                    <p:cond delay="0"/>
+                                  </p:stCondLst>
+                                  <p:childTnLst>
+                                    <p:set>
+                                      <p:cBhvr>
+                                        <p:cTn id="6" dur="1" fill="hold">
+                                          <p:stCondLst>
+                                            <p:cond delay="0"/>
+                                          </p:stCondLst>
+                                        </p:cTn>
+                                        <p:tgtEl>
+                                          <p:spTgt spid="8">
+                                            <p:txEl>
+                                              <p:pRg st="0" end="0"/>
+                                            </p:txEl>
+                                          </p:spTgt>
+                                        </p:tgtEl>
+                                        <p:attrNameLst>
+                                          <p:attrName>style.visibility</p:attrName>
+                                        </p:attrNameLst>
+                                      </p:cBhvr>
+                                      <p:to>
+                                        <p:strVal val="visible"/>
+                                      </p:to>
+                                    </p:set>
+                                    <p:anim calcmode="lin" valueType="num">
+                                      <p:cBhvr additive="base">
+                                        <p:cTn id="7" dur="500" fill="hold"/>
+                                        <p:tgtEl>
+                                          <p:spTgt spid="8">
+                                            <p:txEl>
+                                              <p:pRg st="0" end="0"/>
+                                            </p:txEl>
+                                          </p:spTgt>
+                                        </p:tgtEl>
+                                        <p:attrNameLst>
+                                          <p:attrName>ppt_x</p:attrName>
+                                        </p:attrNameLst>
+                                      </p:cBhvr>
+                                      <p:tavLst>
+                                        <p:tav tm="0">
+                                          <p:val>
+                                            <p:strVal val="#ppt_x"/>
+                                          </p:val>
+                                        </p:tav>
+                                        <p:tav tm="100000">
+                                          <p:val>
+                                            <p:strVal val="#ppt_x"/>
+                                          </p:val>
+                                        </p:tav>
+                                      </p:tavLst>
+                                    </p:anim>
+                                    <p:anim calcmode="lin" valueType="num">
+                                      <p:cBhvr additive="base">
+                                        <p:cTn id="8" dur="500" fill="hold"/>
+                                        <p:tgtEl>
+                                          <p:spTgt spid="8">
+                                            <p:txEl>
+                                              <p:pRg st="0" end="0"/>
+                                            </p:txEl>
+                                          </p:spTgt>
+                                        </p:tgtEl>
+                                        <p:attrNameLst>
+                                          <p:attrName>ppt_y</p:attrName>
+                                        </p:attrNameLst>
+                                      </p:cBhvr>
+                                      <p:tavLst>
+                                        <p:tav tm="0">
+                                          <p:val>
+                                            <p:strVal val="1+#ppt_h/2"/>
+                                          </p:val>
+                                        </p:tav>
+                                        <p:tav tm="100000">
+                                          <p:val>
+                                            <p:strVal val="#ppt_y"/>
+                                          </p:val>
+                                        </p:tav>
+                                      </p:tavLst>
+                                    </p:anim>
+                                  </p:childTnLst>
+                                </p:cTn>
+                              </p:par>
+                              <p:par>
+                                <p:cTn id="9" presetID="2" presetClass="entr" presetSubtype="4" fill="hold" grpId="0" nodeType="withEffect">
+                                  <p:stCondLst>
+                                    <p:cond delay="0"/>
+                                  </p:stCondLst>
+                                  <p:childTnLst>
+                                    <p:set>
+                                      <p:cBhvr>
+                                        <p:cTn id="10" dur="1" fill="hold">
+                                          <p:stCondLst>
+                                            <p:cond delay="0"/>
+                                          </p:stCondLst>
+                                        </p:cTn>
+                                        <p:tgtEl>
+                                          <p:spTgt spid="8">
+                                            <p:txEl>
+                                              <p:pRg st="1" end="1"/>
+                                            </p:txEl>
+                                          </p:spTgt>
+                                        </p:tgtEl>
+                                        <p:attrNameLst>
+                                          <p:attrName>style.visibility</p:attrName>
+                                        </p:attrNameLst>
+                                      </p:cBhvr>
+                                      <p:to>
+                                        <p:strVal val="visible"/>
+                                      </p:to>
+                                    </p:set>
+                                    <p:anim calcmode="lin" valueType="num">
+                                      <p:cBhvr additive="base">
+                                        <p:cTn id="11" dur="500" fill="hold"/>
+                                        <p:tgtEl>
+                                          <p:spTgt spid="8">
+                                            <p:txEl>
+                                              <p:pRg st="1" end="1"/>
+                                            </p:txEl>
+                                          </p:spTgt>
+                                        </p:tgtEl>
+                                        <p:attrNameLst>
+                                          <p:attrName>ppt_x</p:attrName>
+                                        </p:attrNameLst>
+                                      </p:cBhvr>
+                                      <p:tavLst>
+                                        <p:tav tm="0">
+                                          <p:val>
+                                            <p:strVal val="#ppt_x"/>
+                                          </p:val>
+                                        </p:tav>
+                                        <p:tav tm="100000">
+                                          <p:val>
+                                            <p:strVal val="#ppt_x"/>
+                                          </p:val>
+                                        </p:tav>
+                                      </p:tavLst>
+                                    </p:anim>
+                                    <p:anim calcmode="lin" valueType="num">
+                                      <p:cBhvr additive="base">
+                                        <p:cTn id="12" dur="500" fill="hold"/>
+                                        <p:tgtEl>
+                                          <p:spTgt spid="8">
+                                            <p:txEl>
+                                              <p:pRg st="1" end="1"/>
+                                            </p:txEl>
+                                          </p:spTgt>
+                                        </p:tgtEl>
+                                        <p:attrNameLst>
+                                          <p:attrName>ppt_y</p:attrName>
+                                        </p:attrNameLst>
+                                      </p:cBhvr>
+                                      <p:tavLst>
+                                        <p:tav tm="0">
+                                          <p:val>
+                                            <p:strVal val="1+#ppt_h/2"/>
+                                          </p:val>
+                                        </p:tav>
+                                        <p:tav tm="100000">
+                                          <p:val>
+                                            <p:strVal val="#ppt_y"/>
+                                          </p:val>
+                                        </p:tav>
+                                      </p:tavLst>
+                                    </p:anim>
+                                  </p:childTnLst>
+                                </p:cTn>
+                              </p:par>
+                              <p:par>
+                                <p:cTn id="13" presetID="2" presetClass="entr" presetSubtype="4" fill="hold" grpId="0" nodeType="withEffect">
+                                  <p:stCondLst>
+                                    <p:cond delay="0"/>
+                                  </p:stCondLst>
+                                  <p:childTnLst>
+                                    <p:set>
+                                      <p:cBhvr>
+                                        <p:cTn id="14" dur="1" fill="hold">
+                                          <p:stCondLst>
+                                            <p:cond delay="0"/>
+                                          </p:stCondLst>
+                                        </p:cTn>
+                                        <p:tgtEl>
+                                          <p:spTgt spid="8">
+                                            <p:txEl>
+                                              <p:pRg st="2" end="2"/>
+                                            </p:txEl>
+                                          </p:spTgt>
+                                        </p:tgtEl>
+                                        <p:attrNameLst>
+                                          <p:attrName>style.visibility</p:attrName>
+                                        </p:attrNameLst>
+                                      </p:cBhvr>
+                                      <p:to>
+                                        <p:strVal val="visible"/>
+                                      </p:to>
+                                    </p:set>
+                                    <p:anim calcmode="lin" valueType="num">
+                                      <p:cBhvr additive="base">
+                                        <p:cTn id="15" dur="500" fill="hold"/>
+                                        <p:tgtEl>
+                                          <p:spTgt spid="8">
+                                            <p:txEl>
+                                              <p:pRg st="2" end="2"/>
+                                            </p:txEl>
+                                          </p:spTgt>
+                                        </p:tgtEl>
+                                        <p:attrNameLst>
+                                          <p:attrName>ppt_x</p:attrName>
+                                        </p:attrNameLst>
+                                      </p:cBhvr>
+                                      <p:tavLst>
+                                        <p:tav tm="0">
+                                          <p:val>
+                                            <p:strVal val="#ppt_x"/>
+                                          </p:val>
+                                        </p:tav>
+                                        <p:tav tm="100000">
+                                          <p:val>
+                                            <p:strVal val="#ppt_x"/>
+                                          </p:val>
+                                        </p:tav>
+                                      </p:tavLst>
+                                    </p:anim>
+                                    <p:anim calcmode="lin" valueType="num">
+                                      <p:cBhvr additive="base">
+                                        <p:cTn id="16" dur="500" fill="hold"/>
+                                        <p:tgtEl>
+                                          <p:spTgt spid="8">
+                                            <p:txEl>
+                                              <p:pRg st="2" end="2"/>
+                                            </p:txEl>
+                                          </p:spTgt>
+                                        </p:tgtEl>
+                                        <p:attrNameLst>
+                                          <p:attrName>ppt_y</p:attrName>
+                                        </p:attrNameLst>
+                                      </p:cBhvr>
+                                      <p:tavLst>
+                                        <p:tav tm="0">
+                                          <p:val>
+                                            <p:strVal val="1+#ppt_h/2"/>
+                                          </p:val>
+                                        </p:tav>
+                                        <p:tav tm="100000">
+                                          <p:val>
+                                            <p:strVal val="#ppt_y"/>
+                                          </p:val>
+                                        </p:tav>
+                                      </p:tavLst>
+                                    </p:anim>
+                                  </p:childTnLst>
+                                </p:cTn>
+                              </p:par>
+                              <p:par>
+                                <p:cTn id="17" presetID="2" presetClass="entr" presetSubtype="4" fill="hold" grpId="0" nodeType="withEffect">
+                                  <p:stCondLst>
+                                    <p:cond delay="0"/>
+                                  </p:stCondLst>
+                                  <p:childTnLst>
+                                    <p:set>
+                                      <p:cBhvr>
+                                        <p:cTn id="18" dur="1" fill="hold">
+                                          <p:stCondLst>
+                                            <p:cond delay="0"/>
+                                          </p:stCondLst>
+                                        </p:cTn>
+                                        <p:tgtEl>
+                                          <p:spTgt spid="8">
+                                            <p:txEl>
+                                              <p:pRg st="3" end="3"/>
+                                            </p:txEl>
+                                          </p:spTgt>
+                                        </p:tgtEl>
+                                        <p:attrNameLst>
+                                          <p:attrName>style.visibility</p:attrName>
+                                        </p:attrNameLst>
+                                      </p:cBhvr>
+                                      <p:to>
+                                        <p:strVal val="visible"/>
+                                      </p:to>
+                                    </p:set>
+                                    <p:anim calcmode="lin" valueType="num">
+                                      <p:cBhvr additive="base">
+                                        <p:cTn id="19" dur="500" fill="hold"/>
+                                        <p:tgtEl>
+                                          <p:spTgt spid="8">
+                                            <p:txEl>
+                                              <p:pRg st="3" end="3"/>
+                                            </p:txEl>
+                                          </p:spTgt>
+                                        </p:tgtEl>
+                                        <p:attrNameLst>
+                                          <p:attrName>ppt_x</p:attrName>
+                                        </p:attrNameLst>
+                                      </p:cBhvr>
+                                      <p:tavLst>
+                                        <p:tav tm="0">
+                                          <p:val>
+                                            <p:strVal val="#ppt_x"/>
+                                          </p:val>
+                                        </p:tav>
+                                        <p:tav tm="100000">
+                                          <p:val>
+                                            <p:strVal val="#ppt_x"/>
+                                          </p:val>
+                                        </p:tav>
+                                      </p:tavLst>
+                                    </p:anim>
+                                    <p:anim calcmode="lin" valueType="num">
+                                      <p:cBhvr additive="base">
+                                        <p:cTn id="20" dur="500" fill="hold"/>
+                                        <p:tgtEl>
+                                          <p:spTgt spid="8">
+                                            <p:txEl>
+                                              <p:pRg st="3" end="3"/>
+                                            </p:txEl>
+                                          </p:spTgt>
+                                        </p:tgtEl>
+                                        <p:attrNameLst>
+                                          <p:attrName>ppt_y</p:attrName>
+                                        </p:attrNameLst>
+                                      </p:cBhvr>
+                                      <p:tavLst>
+                                        <p:tav tm="0">
+                                          <p:val>
+                                            <p:strVal val="1+#ppt_h/2"/>
+                                          </p:val>
+                                        </p:tav>
+                                        <p:tav tm="100000">
+                                          <p:val>
+                                            <p:strVal val="#ppt_y"/>
+                                          </p:val>
+                                        </p:tav>
+                                      </p:tavLst>
+                                    </p:anim>
+                                  </p:childTnLst>
+                                </p:cTn>
+                              </p:par>
+                              <p:par>
+                                <p:cTn id="21" presetID="2" presetClass="entr" presetSubtype="4" fill="hold" grpId="0" nodeType="withEffect">
+                                  <p:stCondLst>
+                                    <p:cond delay="0"/>
+                                  </p:stCondLst>
+                                  <p:childTnLst>
+                                    <p:set>
+                                      <p:cBhvr>
+                                        <p:cTn id="22" dur="1" fill="hold">
+                                          <p:stCondLst>
+                                            <p:cond delay="0"/>
+                                          </p:stCondLst>
+                                        </p:cTn>
+                                        <p:tgtEl>
+                                          <p:spTgt spid="8">
+                                            <p:txEl>
+                                              <p:pRg st="4" end="4"/>
+                                            </p:txEl>
+                                          </p:spTgt>
+                                        </p:tgtEl>
+                                        <p:attrNameLst>
+                                          <p:attrName>style.visibility</p:attrName>
+                                        </p:attrNameLst>
+                                      </p:cBhvr>
+                                      <p:to>
+                                        <p:strVal val="visible"/>
+                                      </p:to>
+                                    </p:set>
+                                    <p:anim calcmode="lin" valueType="num">
+                                      <p:cBhvr additive="base">
+                                        <p:cTn id="23" dur="500" fill="hold"/>
+                                        <p:tgtEl>
+                                          <p:spTgt spid="8">
+                                            <p:txEl>
+                                              <p:pRg st="4" end="4"/>
+                                            </p:txEl>
+                                          </p:spTgt>
+                                        </p:tgtEl>
+                                        <p:attrNameLst>
+                                          <p:attrName>ppt_x</p:attrName>
+                                        </p:attrNameLst>
+                                      </p:cBhvr>
+                                      <p:tavLst>
+                                        <p:tav tm="0">
+                                          <p:val>
+                                            <p:strVal val="#ppt_x"/>
+                                          </p:val>
+                                        </p:tav>
+                                        <p:tav tm="100000">
+                                          <p:val>
+                                            <p:strVal val="#ppt_x"/>
+                                          </p:val>
+                                        </p:tav>
+                                      </p:tavLst>
+                                    </p:anim>
+                                    <p:anim calcmode="lin" valueType="num">
+                                      <p:cBhvr additive="base">
+                                        <p:cTn id="24" dur="500" fill="hold"/>
+                                        <p:tgtEl>
+                                          <p:spTgt spid="8">
+                                            <p:txEl>
+                                              <p:pRg st="4" end="4"/>
+                                            </p:txEl>
+                                          </p:spTgt>
+                                        </p:tgtEl>
+                                        <p:attrNameLst>
+                                          <p:attrName>ppt_y</p:attrName>
+                                        </p:attrNameLst>
+                                      </p:cBhvr>
+                                      <p:tavLst>
+                                        <p:tav tm="0">
+                                          <p:val>
+                                            <p:strVal val="1+#ppt_h/2"/>
+                                          </p:val>
+                                        </p:tav>
+                                        <p:tav tm="100000">
+                                          <p:val>
+                                            <p:strVal val="#ppt_y"/>
+                                          </p:val>
+                                        </p:tav>
+                                      </p:tavLst>
+                                    </p:anim>
+                                  </p:childTnLst>
+                                </p:cTn>
+                              </p:par>
+                              <p:par>
+                                <p:cTn id="25" presetID="2" presetClass="entr" presetSubtype="4" fill="hold" grpId="0" nodeType="withEffect">
+                                  <p:stCondLst>
+                                    <p:cond delay="0"/>
+                                  </p:stCondLst>
+                                  <p:childTnLst>
+                                    <p:set>
+                                      <p:cBhvr>
+                                        <p:cTn id="26" dur="1" fill="hold">
+                                          <p:stCondLst>
+                                            <p:cond delay="0"/>
+                                          </p:stCondLst>
+                                        </p:cTn>
+                                        <p:tgtEl>
+                                          <p:spTgt spid="8">
+                                            <p:txEl>
+                                              <p:pRg st="5" end="5"/>
+                                            </p:txEl>
+                                          </p:spTgt>
+                                        </p:tgtEl>
+                                        <p:attrNameLst>
+                                          <p:attrName>style.visibility</p:attrName>
+                                        </p:attrNameLst>
+                                      </p:cBhvr>
+                                      <p:to>
+                                        <p:strVal val="visible"/>
+                                      </p:to>
+                                    </p:set>
+                                    <p:anim calcmode="lin" valueType="num">
+                                      <p:cBhvr additive="base">
+                                        <p:cTn id="27" dur="500" fill="hold"/>
+                                        <p:tgtEl>
+                                          <p:spTgt spid="8">
+                                            <p:txEl>
+                                              <p:pRg st="5" end="5"/>
+                                            </p:txEl>
+                                          </p:spTgt>
+                                        </p:tgtEl>
+                                        <p:attrNameLst>
+                                          <p:attrName>ppt_x</p:attrName>
+                                        </p:attrNameLst>
+                                      </p:cBhvr>
+                                      <p:tavLst>
+                                        <p:tav tm="0">
+                                          <p:val>
+                                            <p:strVal val="#ppt_x"/>
+                                          </p:val>
+                                        </p:tav>
+                                        <p:tav tm="100000">
+                                          <p:val>
+                                            <p:strVal val="#ppt_x"/>
+                                          </p:val>
+                                        </p:tav>
+                                      </p:tavLst>
+                                    </p:anim>
+                                    <p:anim calcmode="lin" valueType="num">
+                                      <p:cBhvr additive="base">
+                                        <p:cTn id="28" dur="500" fill="hold"/>
+                                        <p:tgtEl>
+                                          <p:spTgt spid="8">
+                                            <p:txEl>
+                                              <p:pRg st="5" end="5"/>
+                                            </p:txEl>
+                                          </p:spTgt>
+                                        </p:tgtEl>
+                                        <p:attrNameLst>
+                                          <p:attrName>ppt_y</p:attrName>
+                                        </p:attrNameLst>
+                                      </p:cBhvr>
+                                      <p:tavLst>
+                                        <p:tav tm="0">
+                                          <p:val>
+                                            <p:strVal val="1+#ppt_h/2"/>
+                                          </p:val>
+                                        </p:tav>
+                                        <p:tav tm="100000">
+                                          <p:val>
+                                            <p:strVal val="#ppt_y"/>
+                                          </p:val>
+                                        </p:tav>
+                                      </p:tavLst>
+                                    </p:anim>
+                                  </p:childTnLst>
+                                </p:cTn>
+                              </p:par>
+                            </p:childTnLst>
+                          </p:cTn>
+                        </p:par>
+                      </p:childTnLst>
+                    </p:cTn>
+                  </p:par>
+                  <p:par>
+                    <p:cTn id="29" fill="hold">
+                      <p:stCondLst>
+                        <p:cond delay="indefinite"/>
+                      </p:stCondLst>
+                      <p:childTnLst>
+                        <p:par>
+                          <p:cTn id="30" fill="hold">
+                            <p:stCondLst>
+                              <p:cond delay="0"/>
+                            </p:stCondLst>
+                            <p:childTnLst>
+                              <p:par>
+                                <p:cTn id="31" presetID="2" presetClass="entr" presetSubtype="4" fill="hold" grpId="0" nodeType="clickEffect">
+                                  <p:stCondLst>
+                                    <p:cond delay="0"/>
+                                  </p:stCondLst>
+                                  <p:childTnLst>
+                                    <p:set>
+                                      <p:cBhvr>
+                                        <p:cTn id="32" dur="1" fill="hold">
+                                          <p:stCondLst>
+                                            <p:cond delay="0"/>
+                                          </p:stCondLst>
+                                        </p:cTn>
+                                        <p:tgtEl>
+                                          <p:spTgt spid="8">
+                                            <p:txEl>
+                                              <p:pRg st="6" end="6"/>
+                                            </p:txEl>
+                                          </p:spTgt>
+                                        </p:tgtEl>
+                                        <p:attrNameLst>
+                                          <p:attrName>style.visibility</p:attrName>
+                                        </p:attrNameLst>
+                                      </p:cBhvr>
+                                      <p:to>
+                                        <p:strVal val="visible"/>
+                                      </p:to>
+                                    </p:set>
+                                    <p:anim calcmode="lin" valueType="num">
+                                      <p:cBhvr additive="base">
+                                        <p:cTn id="33" dur="500" fill="hold"/>
+                                        <p:tgtEl>
+                                          <p:spTgt spid="8">
+                                            <p:txEl>
+                                              <p:pRg st="6" end="6"/>
+                                            </p:txEl>
+                                          </p:spTgt>
+                                        </p:tgtEl>
+                                        <p:attrNameLst>
+                                          <p:attrName>ppt_x</p:attrName>
+                                        </p:attrNameLst>
+                                      </p:cBhvr>
+                                      <p:tavLst>
+                                        <p:tav tm="0">
+                                          <p:val>
+                                            <p:strVal val="#ppt_x"/>
+                                          </p:val>
+                                        </p:tav>
+                                        <p:tav tm="100000">
+                                          <p:val>
+                                            <p:strVal val="#ppt_x"/>
+                                          </p:val>
+                                        </p:tav>
+                                      </p:tavLst>
+                                    </p:anim>
+                                    <p:anim calcmode="lin" valueType="num">
+                                      <p:cBhvr additive="base">
+                                        <p:cTn id="34" dur="500" fill="hold"/>
+                                        <p:tgtEl>
+                                          <p:spTgt spid="8">
+                                            <p:txEl>
+                                              <p:pRg st="6" end="6"/>
+                                            </p:txEl>
+                                          </p:spTgt>
+                                        </p:tgtEl>
+                                        <p:attrNameLst>
+                                          <p:attrName>ppt_y</p:attrName>
+                                        </p:attrNameLst>
+                                      </p:cBhvr>
+                                      <p:tavLst>
+                                        <p:tav tm="0">
+                                          <p:val>
+                                            <p:strVal val="1+#ppt_h/2"/>
+                                          </p:val>
+                                        </p:tav>
+                                        <p:tav tm="100000">
+                                          <p:val>
+                                            <p:strVal val="#ppt_y"/>
+                                          </p:val>
+                                        </p:tav>
+                                      </p:tavLst>
+                                    </p:anim>
+                                  </p:childTnLst>
+                                </p:cTn>
+                              </p:par>
+                            </p:childTnLst>
+                          </p:cTn>
+                        </p:par>
+                      </p:childTnLst>
+                    </p:cTn>
+                  </p:par>
+                  <p:par>
+                    <p:cTn id="35" fill="hold">
+                      <p:stCondLst>
+                        <p:cond delay="indefinite"/>
+                      </p:stCondLst>
+                      <p:childTnLst>
+                        <p:par>
+                          <p:cTn id="36" fill="hold">
+                            <p:stCondLst>
+                              <p:cond delay="0"/>
+                            </p:stCondLst>
+                            <p:childTnLst>
+                              <p:par>
+                                <p:cTn id="37" presetID="2" presetClass="entr" presetSubtype="4" fill="hold" grpId="0" nodeType="clickEffect">
+                                  <p:stCondLst>
+                                    <p:cond delay="0"/>
+                                  </p:stCondLst>
+                                  <p:childTnLst>
+                                    <p:set>
+                                      <p:cBhvr>
+                                        <p:cTn id="38" dur="1" fill="hold">
+                                          <p:stCondLst>
+                                            <p:cond delay="0"/>
+                                          </p:stCondLst>
+                                        </p:cTn>
+                                        <p:tgtEl>
+                                          <p:spTgt spid="8">
+                                            <p:txEl>
+                                              <p:pRg st="7" end="7"/>
+                                            </p:txEl>
+                                          </p:spTgt>
+                                        </p:tgtEl>
+                                        <p:attrNameLst>
+                                          <p:attrName>style.visibility</p:attrName>
+                                        </p:attrNameLst>
+                                      </p:cBhvr>
+                                      <p:to>
+                                        <p:strVal val="visible"/>
+                                      </p:to>
+                                    </p:set>
+                                    <p:anim calcmode="lin" valueType="num">
+                                      <p:cBhvr additive="base">
+                                        <p:cTn id="39" dur="500" fill="hold"/>
+                                        <p:tgtEl>
+                                          <p:spTgt spid="8">
+                                            <p:txEl>
+                                              <p:pRg st="7" end="7"/>
+                                            </p:txEl>
+                                          </p:spTgt>
+                                        </p:tgtEl>
+                                        <p:attrNameLst>
+                                          <p:attrName>ppt_x</p:attrName>
+                                        </p:attrNameLst>
+                                      </p:cBhvr>
+                                      <p:tavLst>
+                                        <p:tav tm="0">
+                                          <p:val>
+                                            <p:strVal val="#ppt_x"/>
+                                          </p:val>
+                                        </p:tav>
+                                        <p:tav tm="100000">
+                                          <p:val>
+                                            <p:strVal val="#ppt_x"/>
+                                          </p:val>
+                                        </p:tav>
+                                      </p:tavLst>
+                                    </p:anim>
+                                    <p:anim calcmode="lin" valueType="num">
+                                      <p:cBhvr additive="base">
+                                        <p:cTn id="40" dur="500" fill="hold"/>
+                                        <p:tgtEl>
+                                          <p:spTgt spid="8">
+                                            <p:txEl>
+                                              <p:pRg st="7" end="7"/>
+                                            </p:txEl>
+                                          </p:spTgt>
+                                        </p:tgtEl>
+                                        <p:attrNameLst>
+                                          <p:attrName>ppt_y</p:attrName>
+                                        </p:attrNameLst>
+                                      </p:cBhvr>
+                                      <p:tavLst>
+                                        <p:tav tm="0">
+                                          <p:val>
+                                            <p:strVal val="1+#ppt_h/2"/>
+                                          </p:val>
+                                        </p:tav>
+                                        <p:tav tm="100000">
+                                          <p:val>
+                                            <p:strVal val="#ppt_y"/>
+                                          </p:val>
+                                        </p:tav>
+                                      </p:tavLst>
+                                    </p:anim>
+                                  </p:childTnLst>
+                                </p:cTn>
+                              </p:par>
+                            </p:childTnLst>
+                          </p:cTn>
+                        </p:par>
+                      </p:childTnLst>
+                    </p:cTn>
+                  </p:par>
+                </p:childTnLst>
+              </p:cTn>
+              <p:prevCondLst>
+                <p:cond evt="onPrev" delay="0">
+                  <p:tgtEl>
+                    <p:sldTgt/>
+                  </p:tgtEl>
+                </p:cond>
+              </p:prevCondLst>
+              <p:nextCondLst>
+                <p:cond evt="onNext" delay="0">
+                  <p:tgtEl>
+                    <p:sldTgt/>
+                  </p:tgtEl>
+                </p:cond>
+              </p:nextCondLst>
+            </p:seq>
+          </p:childTnLst>
+        </p:cTn>
+      </p:par>
+    </p:tnLst>
+    <p:bldLst>
+      <p:bldP spid="8" grpId="0" build="p"/>
+    </p:bldLst>
+  </p:timing>
 </p:sld>
 </file>
 
@@ -17380,7 +17430,7 @@
             <a:fld id="{CD911897-AAF5-9F48-8CFE-C7A0C3E8F556}" type="datetime1">
               <a:rPr lang="en-US" smtClean="0"/>
               <a:pPr/>
-              <a:t>3/12/17</a:t>
+              <a:t>3/22/17</a:t>
             </a:fld>
             <a:endParaRPr lang="en-US" dirty="0"/>
           </a:p>
@@ -17545,7 +17595,7 @@
             <a:fld id="{CD911897-AAF5-9F48-8CFE-C7A0C3E8F556}" type="datetime1">
               <a:rPr lang="en-US" smtClean="0"/>
               <a:pPr/>
-              <a:t>3/12/17</a:t>
+              <a:t>3/22/17</a:t>
             </a:fld>
             <a:endParaRPr lang="en-US" dirty="0"/>
           </a:p>
@@ -17836,7 +17886,7 @@
             <a:fld id="{CD911897-AAF5-9F48-8CFE-C7A0C3E8F556}" type="datetime1">
               <a:rPr lang="en-US" smtClean="0"/>
               <a:pPr/>
-              <a:t>3/12/17</a:t>
+              <a:t>3/22/17</a:t>
             </a:fld>
             <a:endParaRPr lang="en-US" dirty="0"/>
           </a:p>
@@ -18066,7 +18116,7 @@
             <a:fld id="{CD911897-AAF5-9F48-8CFE-C7A0C3E8F556}" type="datetime1">
               <a:rPr lang="en-US" smtClean="0"/>
               <a:pPr/>
-              <a:t>3/12/17</a:t>
+              <a:t>3/22/17</a:t>
             </a:fld>
             <a:endParaRPr lang="en-US" dirty="0"/>
           </a:p>
@@ -18271,7 +18321,7 @@
             <a:fld id="{CD911897-AAF5-9F48-8CFE-C7A0C3E8F556}" type="datetime1">
               <a:rPr lang="en-US" smtClean="0"/>
               <a:pPr/>
-              <a:t>3/12/17</a:t>
+              <a:t>3/22/17</a:t>
             </a:fld>
             <a:endParaRPr lang="en-US" dirty="0"/>
           </a:p>
@@ -18482,7 +18532,7 @@
             <a:fld id="{CD911897-AAF5-9F48-8CFE-C7A0C3E8F556}" type="datetime1">
               <a:rPr lang="en-US" smtClean="0"/>
               <a:pPr/>
-              <a:t>3/12/17</a:t>
+              <a:t>3/22/17</a:t>
             </a:fld>
             <a:endParaRPr lang="en-US" dirty="0"/>
           </a:p>
@@ -18693,7 +18743,7 @@
             <a:fld id="{CD911897-AAF5-9F48-8CFE-C7A0C3E8F556}" type="datetime1">
               <a:rPr lang="en-US" smtClean="0"/>
               <a:pPr/>
-              <a:t>3/12/17</a:t>
+              <a:t>3/22/17</a:t>
             </a:fld>
             <a:endParaRPr lang="en-US" dirty="0"/>
           </a:p>
@@ -19004,7 +19054,7 @@
             <a:fld id="{CD911897-AAF5-9F48-8CFE-C7A0C3E8F556}" type="datetime1">
               <a:rPr lang="en-US" smtClean="0"/>
               <a:pPr/>
-              <a:t>3/12/17</a:t>
+              <a:t>3/22/17</a:t>
             </a:fld>
             <a:endParaRPr lang="en-US" dirty="0"/>
           </a:p>
@@ -19115,8 +19165,8 @@
         </p:nvSpPr>
         <p:spPr>
           <a:xfrm>
-            <a:off x="270022" y="1206606"/>
-            <a:ext cx="11262615" cy="510228"/>
+            <a:off x="270022" y="1206605"/>
+            <a:ext cx="11262615" cy="4670213"/>
           </a:xfrm>
         </p:spPr>
         <p:txBody>
@@ -19129,7 +19179,15 @@
             </a:pPr>
             <a:r>
               <a:rPr lang="en-US" dirty="0"/>
-              <a:t>Had to build a framework that worked inside it but could bypass it for some cases</a:t>
+              <a:t>Had to build a framework that worked inside it but could </a:t>
+            </a:r>
+            <a:r>
+              <a:rPr lang="en-US" dirty="0" smtClean="0"/>
+              <a:t>bypass or extend </a:t>
+            </a:r>
+            <a:r>
+              <a:rPr lang="en-US" dirty="0"/>
+              <a:t>it for some cases</a:t>
             </a:r>
           </a:p>
           <a:p>
@@ -19139,7 +19197,7 @@
             </a:pPr>
             <a:r>
               <a:rPr lang="en-US" dirty="0" smtClean="0"/>
-              <a:t>Logging</a:t>
+              <a:t>Logging (mentioned earlier)</a:t>
             </a:r>
             <a:endParaRPr lang="en-US" dirty="0"/>
           </a:p>
@@ -19182,97 +19240,97 @@
             </a:r>
           </a:p>
           <a:p>
+            <a:pPr marL="1485900" lvl="2" indent="-342900">
+              <a:buFont typeface="Arial" panose="020B0604020202020204" pitchFamily="34" charset="0"/>
+              <a:buChar char="•"/>
+            </a:pPr>
+            <a:r>
+              <a:rPr lang="en-US" dirty="0" smtClean="0"/>
+              <a:t>Windows Dialogs (Open, Save As, Print, </a:t>
+            </a:r>
+            <a:r>
+              <a:rPr lang="en-US" dirty="0" err="1" smtClean="0"/>
+              <a:t>etc</a:t>
+            </a:r>
+            <a:r>
+              <a:rPr lang="en-US" dirty="0" smtClean="0"/>
+              <a:t>)</a:t>
+            </a:r>
+          </a:p>
+          <a:p>
+            <a:pPr marL="1485900" lvl="2" indent="-342900">
+              <a:buFont typeface="Arial" panose="020B0604020202020204" pitchFamily="34" charset="0"/>
+              <a:buChar char="•"/>
+            </a:pPr>
+            <a:r>
+              <a:rPr lang="en-US" dirty="0" smtClean="0"/>
+              <a:t>Shared </a:t>
+            </a:r>
+            <a:r>
+              <a:rPr lang="en-US" dirty="0"/>
+              <a:t>n</a:t>
+            </a:r>
+            <a:r>
+              <a:rPr lang="en-US" dirty="0" smtClean="0"/>
+              <a:t>ot-under-test apps (e.g. Notepad++, Notepad, </a:t>
+            </a:r>
+            <a:r>
+              <a:rPr lang="en-US" dirty="0" err="1" smtClean="0"/>
+              <a:t>etc</a:t>
+            </a:r>
+            <a:r>
+              <a:rPr lang="en-US" dirty="0" smtClean="0"/>
+              <a:t>)</a:t>
+            </a:r>
+          </a:p>
+          <a:p>
             <a:pPr marL="1028700" lvl="1" indent="-342900">
               <a:buFont typeface="Arial" panose="020B0604020202020204" pitchFamily="34" charset="0"/>
               <a:buChar char="•"/>
             </a:pPr>
             <a:r>
               <a:rPr lang="en-US" dirty="0" smtClean="0"/>
-              <a:t>Eventually, MS Edge</a:t>
-            </a:r>
-            <a:endParaRPr lang="en-US" dirty="0"/>
-          </a:p>
-          <a:p>
-            <a:pPr marL="1485900" lvl="2" indent="-342900">
+              <a:t>Database connectivity</a:t>
+            </a:r>
+          </a:p>
+          <a:p>
+            <a:pPr marL="1028700" lvl="1" indent="-342900">
               <a:buFont typeface="Arial" panose="020B0604020202020204" pitchFamily="34" charset="0"/>
               <a:buChar char="•"/>
             </a:pPr>
             <a:r>
+              <a:rPr lang="en-US" dirty="0" err="1" smtClean="0"/>
+              <a:t>Webservice</a:t>
+            </a:r>
+            <a:r>
               <a:rPr lang="en-US" dirty="0" smtClean="0"/>
-              <a:t>IBM said it will not be supported by RFT, just Rational Test Workbench </a:t>
-            </a:r>
-            <a:r>
-              <a:rPr lang="en-US" dirty="0" err="1" smtClean="0"/>
-              <a:t>WebUI</a:t>
-            </a:r>
-            <a:endParaRPr lang="en-US" dirty="0" smtClean="0"/>
-          </a:p>
-          <a:p>
-            <a:pPr marL="1485900" lvl="2" indent="-342900">
+              <a:t> connectivity </a:t>
+            </a:r>
+          </a:p>
+          <a:p>
+            <a:pPr marL="1028700" lvl="1" indent="-342900">
               <a:buFont typeface="Arial" panose="020B0604020202020204" pitchFamily="34" charset="0"/>
               <a:buChar char="•"/>
             </a:pPr>
             <a:r>
               <a:rPr lang="en-US" dirty="0" smtClean="0"/>
-              <a:t>RTW </a:t>
+              <a:t>File IO (Excel, PDF, HTML parsing, CSV, ZIP, </a:t>
             </a:r>
             <a:r>
               <a:rPr lang="en-US" dirty="0" err="1" smtClean="0"/>
-              <a:t>WebUI</a:t>
+              <a:t>etc</a:t>
             </a:r>
             <a:r>
               <a:rPr lang="en-US" dirty="0" smtClean="0"/>
-              <a:t> can *run* RFT scripts but can not share code with RFT.</a:t>
-            </a:r>
-          </a:p>
-          <a:p>
-            <a:pPr marL="1943100" lvl="3" indent="-342900">
+              <a:t>)</a:t>
+            </a:r>
+          </a:p>
+          <a:p>
+            <a:pPr marL="1028700" lvl="1" indent="-342900">
               <a:buFont typeface="Arial" panose="020B0604020202020204" pitchFamily="34" charset="0"/>
               <a:buChar char="•"/>
             </a:pPr>
-            <a:r>
-              <a:rPr lang="en-US" dirty="0" smtClean="0"/>
-              <a:t>We can't afford the time to duplicate our 1.5 million lines of code (or then maintain 2 sets of code for the same app).</a:t>
-            </a:r>
-          </a:p>
-          <a:p>
-            <a:pPr marL="1485900" lvl="2" indent="-342900">
-              <a:buFont typeface="Arial" panose="020B0604020202020204" pitchFamily="34" charset="0"/>
-              <a:buChar char="•"/>
-            </a:pPr>
-            <a:r>
-              <a:rPr lang="en-US" dirty="0" smtClean="0"/>
-              <a:t>RTW also has a smaller API</a:t>
-            </a:r>
-          </a:p>
-          <a:p>
-            <a:pPr marL="1943100" lvl="3" indent="-342900">
-              <a:buFont typeface="Arial" panose="020B0604020202020204" pitchFamily="34" charset="0"/>
-              <a:buChar char="•"/>
-            </a:pPr>
-            <a:r>
-              <a:rPr lang="en-US" dirty="0" smtClean="0"/>
-              <a:t>Almost everything is GUI driven &amp; oriented to non technical users</a:t>
-            </a:r>
-          </a:p>
-          <a:p>
-            <a:pPr marL="1943100" lvl="3" indent="-342900">
-              <a:buFont typeface="Arial" panose="020B0604020202020204" pitchFamily="34" charset="0"/>
-              <a:buChar char="•"/>
-            </a:pPr>
-            <a:r>
-              <a:rPr lang="en-US" dirty="0" smtClean="0"/>
-              <a:t>No </a:t>
-            </a:r>
-            <a:r>
-              <a:rPr lang="en-US" dirty="0" err="1" smtClean="0"/>
-              <a:t>testMain</a:t>
-            </a:r>
-            <a:r>
-              <a:rPr lang="en-US" dirty="0" smtClean="0"/>
-              <a:t>() method</a:t>
-            </a:r>
-            <a:endParaRPr lang="en-US" dirty="0"/>
+            <a:endParaRPr lang="en-US" dirty="0" smtClean="0"/>
           </a:p>
         </p:txBody>
       </p:sp>
@@ -19318,7 +19376,7 @@
             <a:fld id="{CD911897-AAF5-9F48-8CFE-C7A0C3E8F556}" type="datetime1">
               <a:rPr lang="en-US" smtClean="0"/>
               <a:pPr/>
-              <a:t>3/12/17</a:t>
+              <a:t>3/22/17</a:t>
             </a:fld>
             <a:endParaRPr lang="en-US" dirty="0"/>
           </a:p>
@@ -19495,7 +19553,7 @@
             <a:fld id="{CD911897-AAF5-9F48-8CFE-C7A0C3E8F556}" type="datetime1">
               <a:rPr lang="en-US" smtClean="0"/>
               <a:pPr/>
-              <a:t>3/12/17</a:t>
+              <a:t>3/22/17</a:t>
             </a:fld>
             <a:endParaRPr lang="en-US" dirty="0"/>
           </a:p>
@@ -19769,7 +19827,7 @@
             <a:fld id="{CD911897-AAF5-9F48-8CFE-C7A0C3E8F556}" type="datetime1">
               <a:rPr lang="en-US" smtClean="0"/>
               <a:pPr/>
-              <a:t>3/12/17</a:t>
+              <a:t>3/22/17</a:t>
             </a:fld>
             <a:endParaRPr lang="en-US" dirty="0"/>
           </a:p>
@@ -19881,7 +19939,7 @@
         <p:spPr>
           <a:xfrm>
             <a:off x="270022" y="1206606"/>
-            <a:ext cx="11262615" cy="510228"/>
+            <a:ext cx="11262615" cy="3622248"/>
           </a:xfrm>
         </p:spPr>
         <p:txBody>
@@ -19894,7 +19952,7 @@
             </a:pPr>
             <a:r>
               <a:rPr lang="en-US" dirty="0" smtClean="0"/>
-              <a:t>We can comfortably get about 3 VMs a core </a:t>
+              <a:t>We can comfortably get about 3 VMs a core, before RFT slows down</a:t>
             </a:r>
           </a:p>
           <a:p>
@@ -19999,7 +20057,7 @@
             <a:fld id="{CD911897-AAF5-9F48-8CFE-C7A0C3E8F556}" type="datetime1">
               <a:rPr lang="en-US" smtClean="0"/>
               <a:pPr/>
-              <a:t>3/12/17</a:t>
+              <a:t>3/22/17</a:t>
             </a:fld>
             <a:endParaRPr lang="en-US" dirty="0"/>
           </a:p>
@@ -20770,7 +20828,7 @@
         <p:spPr>
           <a:xfrm>
             <a:off x="270022" y="1206606"/>
-            <a:ext cx="11262615" cy="510228"/>
+            <a:ext cx="11262615" cy="4937340"/>
           </a:xfrm>
         </p:spPr>
         <p:txBody>
@@ -20953,7 +21011,7 @@
             <a:fld id="{CD911897-AAF5-9F48-8CFE-C7A0C3E8F556}" type="datetime1">
               <a:rPr lang="en-US" smtClean="0"/>
               <a:pPr/>
-              <a:t>3/12/17</a:t>
+              <a:t>3/22/17</a:t>
             </a:fld>
             <a:endParaRPr lang="en-US" dirty="0"/>
           </a:p>
@@ -22366,7 +22424,7 @@
             <a:fld id="{CD911897-AAF5-9F48-8CFE-C7A0C3E8F556}" type="datetime1">
               <a:rPr lang="en-US" smtClean="0"/>
               <a:pPr/>
-              <a:t>3/12/17</a:t>
+              <a:t>3/22/17</a:t>
             </a:fld>
             <a:endParaRPr lang="en-US" dirty="0"/>
           </a:p>
@@ -23271,7 +23329,7 @@
             <a:fld id="{CD911897-AAF5-9F48-8CFE-C7A0C3E8F556}" type="datetime1">
               <a:rPr lang="en-US" smtClean="0"/>
               <a:pPr/>
-              <a:t>3/12/17</a:t>
+              <a:t>3/22/17</a:t>
             </a:fld>
             <a:endParaRPr lang="en-US" dirty="0"/>
           </a:p>
@@ -23625,7 +23683,114 @@
       </p:grpSpPr>
       <p:sp>
         <p:nvSpPr>
-          <p:cNvPr id="10" name="Text Placeholder 9"/>
+          <p:cNvPr id="8" name="Text Placeholder 7"/>
+          <p:cNvSpPr>
+            <a:spLocks noGrp="1"/>
+          </p:cNvSpPr>
+          <p:nvPr>
+            <p:ph type="body" sz="quarter" idx="12"/>
+          </p:nvPr>
+        </p:nvSpPr>
+        <p:spPr>
+          <a:xfrm>
+            <a:off x="270022" y="1206606"/>
+            <a:ext cx="11262615" cy="1704818"/>
+          </a:xfrm>
+        </p:spPr>
+        <p:txBody>
+          <a:bodyPr/>
+          <a:lstStyle/>
+          <a:p>
+            <a:pPr marL="342900" indent="-342900">
+              <a:buFont typeface="Arial" panose="020B0604020202020204" pitchFamily="34" charset="0"/>
+              <a:buChar char="•"/>
+            </a:pPr>
+            <a:r>
+              <a:rPr lang="en-US" dirty="0" smtClean="0"/>
+              <a:t>In short, sophisticated test automation capabilities are much easier and cheaper to obtain than you might think!</a:t>
+            </a:r>
+          </a:p>
+          <a:p>
+            <a:pPr marL="342900" indent="-342900">
+              <a:buFont typeface="Arial" panose="020B0604020202020204" pitchFamily="34" charset="0"/>
+              <a:buChar char="•"/>
+            </a:pPr>
+            <a:r>
+              <a:rPr lang="en-US" dirty="0" smtClean="0"/>
+              <a:t>Hopefully, my notes will help you on your journey towards test automation excellence. </a:t>
+            </a:r>
+            <a:endParaRPr lang="en-US" dirty="0" smtClean="0"/>
+          </a:p>
+          <a:p>
+            <a:pPr marL="342900" indent="-342900">
+              <a:buFont typeface="Arial" panose="020B0604020202020204" pitchFamily="34" charset="0"/>
+              <a:buChar char="•"/>
+            </a:pPr>
+            <a:endParaRPr lang="en-US" dirty="0" smtClean="0"/>
+          </a:p>
+          <a:p>
+            <a:endParaRPr lang="en-US" dirty="0" smtClean="0"/>
+          </a:p>
+          <a:p>
+            <a:pPr marL="1028700" lvl="1" indent="-342900">
+              <a:buFont typeface="Arial" panose="020B0604020202020204" pitchFamily="34" charset="0"/>
+              <a:buChar char="•"/>
+            </a:pPr>
+            <a:endParaRPr lang="en-US" dirty="0" smtClean="0"/>
+          </a:p>
+        </p:txBody>
+      </p:sp>
+      <p:sp>
+        <p:nvSpPr>
+          <p:cNvPr id="6" name="Slide Number Placeholder 5"/>
+          <p:cNvSpPr>
+            <a:spLocks noGrp="1"/>
+          </p:cNvSpPr>
+          <p:nvPr>
+            <p:ph type="sldNum" sz="quarter" idx="4"/>
+          </p:nvPr>
+        </p:nvSpPr>
+        <p:spPr/>
+        <p:txBody>
+          <a:bodyPr/>
+          <a:lstStyle/>
+          <a:p>
+            <a:fld id="{64A8A213-8E92-D94A-82D7-8578C89CAF17}" type="slidenum">
+              <a:rPr lang="en-US" smtClean="0"/>
+              <a:pPr/>
+              <a:t>35</a:t>
+            </a:fld>
+            <a:endParaRPr lang="en-US" dirty="0"/>
+          </a:p>
+        </p:txBody>
+      </p:sp>
+      <p:sp>
+        <p:nvSpPr>
+          <p:cNvPr id="7" name="Date Placeholder 6"/>
+          <p:cNvSpPr>
+            <a:spLocks noGrp="1"/>
+          </p:cNvSpPr>
+          <p:nvPr>
+            <p:ph type="dt" sz="half" idx="2"/>
+          </p:nvPr>
+        </p:nvSpPr>
+        <p:spPr/>
+        <p:txBody>
+          <a:bodyPr/>
+          <a:lstStyle/>
+          <a:p>
+            <a:fld id="{CD911897-AAF5-9F48-8CFE-C7A0C3E8F556}" type="datetime1">
+              <a:rPr lang="en-US" smtClean="0"/>
+              <a:pPr/>
+              <a:t>3/22/17</a:t>
+            </a:fld>
+            <a:endParaRPr lang="en-US" dirty="0"/>
+          </a:p>
+        </p:txBody>
+      </p:sp>
+      <p:sp>
+        <p:nvSpPr>
+          <p:cNvPr id="5" name="Text Placeholder 4"/>
           <p:cNvSpPr>
             <a:spLocks noGrp="1"/>
           </p:cNvSpPr>
@@ -23640,7 +23805,7 @@
           <a:p>
             <a:r>
               <a:rPr lang="en-US" dirty="0" smtClean="0"/>
-              <a:t>Questions?</a:t>
+              <a:t>Conclusion</a:t>
             </a:r>
             <a:endParaRPr lang="en-US" dirty="0"/>
           </a:p>
@@ -23648,56 +23813,41 @@
       </p:sp>
       <p:sp>
         <p:nvSpPr>
-          <p:cNvPr id="5" name="Slide Number Placeholder 4"/>
-          <p:cNvSpPr>
-            <a:spLocks noGrp="1"/>
-          </p:cNvSpPr>
-          <p:nvPr>
-            <p:ph type="sldNum" sz="quarter" idx="4"/>
-          </p:nvPr>
+          <p:cNvPr id="2" name="TextBox 1"/>
+          <p:cNvSpPr txBox="1"/>
+          <p:nvPr/>
         </p:nvSpPr>
-        <p:spPr/>
+        <p:spPr>
+          <a:xfrm>
+            <a:off x="1119673" y="3965510"/>
+            <a:ext cx="5495731" cy="503853"/>
+          </a:xfrm>
+          <a:prstGeom prst="rect">
+            <a:avLst/>
+          </a:prstGeom>
+        </p:spPr>
         <p:txBody>
-          <a:bodyPr/>
+          <a:bodyPr vert="horz" wrap="square" lIns="91440" tIns="45720" rIns="91440" bIns="45720" rtlCol="0" anchor="t" anchorCtr="0">
+            <a:noAutofit/>
+          </a:bodyPr>
           <a:lstStyle/>
           <a:p>
-            <a:fld id="{64A8A213-8E92-D94A-82D7-8578C89CAF17}" type="slidenum">
-              <a:rPr lang="en-US" smtClean="0"/>
-              <a:pPr/>
-              <a:t>35</a:t>
-            </a:fld>
-            <a:endParaRPr lang="en-US" dirty="0"/>
-          </a:p>
-        </p:txBody>
-      </p:sp>
-      <p:sp>
-        <p:nvSpPr>
-          <p:cNvPr id="6" name="Date Placeholder 5"/>
-          <p:cNvSpPr>
-            <a:spLocks noGrp="1"/>
-          </p:cNvSpPr>
-          <p:nvPr>
-            <p:ph type="dt" sz="half" idx="2"/>
-          </p:nvPr>
-        </p:nvSpPr>
-        <p:spPr/>
-        <p:txBody>
-          <a:bodyPr/>
-          <a:lstStyle/>
-          <a:p>
-            <a:fld id="{CD911897-AAF5-9F48-8CFE-C7A0C3E8F556}" type="datetime1">
-              <a:rPr lang="en-US" smtClean="0"/>
-              <a:pPr/>
-              <a:t>3/12/17</a:t>
-            </a:fld>
-            <a:endParaRPr lang="en-US" dirty="0"/>
+            <a:pPr>
+              <a:lnSpc>
+                <a:spcPct val="90000"/>
+              </a:lnSpc>
+              <a:spcBef>
+                <a:spcPts val="1000"/>
+              </a:spcBef>
+            </a:pPr>
+            <a:endParaRPr lang="en-US" sz="2500" dirty="0" smtClean="0"/>
           </a:p>
         </p:txBody>
       </p:sp>
     </p:spTree>
     <p:extLst>
       <p:ext uri="{BB962C8B-B14F-4D97-AF65-F5344CB8AC3E}">
-        <p14:creationId xmlns:p14="http://schemas.microsoft.com/office/powerpoint/2010/main" val="3660828530"/>
+        <p14:creationId xmlns:p14="http://schemas.microsoft.com/office/powerpoint/2010/main" val="133610655"/>
       </p:ext>
     </p:extLst>
   </p:cSld>
@@ -23707,7 +23857,260 @@
   <p:timing>
     <p:tnLst>
       <p:par>
-        <p:cTn id="1" dur="indefinite" restart="never" nodeType="tmRoot"/>
+        <p:cTn id="1" dur="indefinite" restart="never" nodeType="tmRoot">
+          <p:childTnLst>
+            <p:seq concurrent="1" nextAc="seek">
+              <p:cTn id="2" dur="indefinite" nodeType="mainSeq">
+                <p:childTnLst>
+                  <p:par>
+                    <p:cTn id="3" fill="hold">
+                      <p:stCondLst>
+                        <p:cond delay="indefinite"/>
+                      </p:stCondLst>
+                      <p:childTnLst>
+                        <p:par>
+                          <p:cTn id="4" fill="hold">
+                            <p:stCondLst>
+                              <p:cond delay="0"/>
+                            </p:stCondLst>
+                            <p:childTnLst>
+                              <p:par>
+                                <p:cTn id="5" presetID="42" presetClass="entr" presetSubtype="0" fill="hold" nodeType="clickEffect">
+                                  <p:stCondLst>
+                                    <p:cond delay="0"/>
+                                  </p:stCondLst>
+                                  <p:childTnLst>
+                                    <p:set>
+                                      <p:cBhvr>
+                                        <p:cTn id="6" dur="1" fill="hold">
+                                          <p:stCondLst>
+                                            <p:cond delay="0"/>
+                                          </p:stCondLst>
+                                        </p:cTn>
+                                        <p:tgtEl>
+                                          <p:spTgt spid="8">
+                                            <p:txEl>
+                                              <p:pRg st="0" end="0"/>
+                                            </p:txEl>
+                                          </p:spTgt>
+                                        </p:tgtEl>
+                                        <p:attrNameLst>
+                                          <p:attrName>style.visibility</p:attrName>
+                                        </p:attrNameLst>
+                                      </p:cBhvr>
+                                      <p:to>
+                                        <p:strVal val="visible"/>
+                                      </p:to>
+                                    </p:set>
+                                    <p:animEffect transition="in" filter="fade">
+                                      <p:cBhvr>
+                                        <p:cTn id="7" dur="1000"/>
+                                        <p:tgtEl>
+                                          <p:spTgt spid="8">
+                                            <p:txEl>
+                                              <p:pRg st="0" end="0"/>
+                                            </p:txEl>
+                                          </p:spTgt>
+                                        </p:tgtEl>
+                                      </p:cBhvr>
+                                    </p:animEffect>
+                                    <p:anim calcmode="lin" valueType="num">
+                                      <p:cBhvr>
+                                        <p:cTn id="8" dur="1000" fill="hold"/>
+                                        <p:tgtEl>
+                                          <p:spTgt spid="8">
+                                            <p:txEl>
+                                              <p:pRg st="0" end="0"/>
+                                            </p:txEl>
+                                          </p:spTgt>
+                                        </p:tgtEl>
+                                        <p:attrNameLst>
+                                          <p:attrName>ppt_x</p:attrName>
+                                        </p:attrNameLst>
+                                      </p:cBhvr>
+                                      <p:tavLst>
+                                        <p:tav tm="0">
+                                          <p:val>
+                                            <p:strVal val="#ppt_x"/>
+                                          </p:val>
+                                        </p:tav>
+                                        <p:tav tm="100000">
+                                          <p:val>
+                                            <p:strVal val="#ppt_x"/>
+                                          </p:val>
+                                        </p:tav>
+                                      </p:tavLst>
+                                    </p:anim>
+                                    <p:anim calcmode="lin" valueType="num">
+                                      <p:cBhvr>
+                                        <p:cTn id="9" dur="1000" fill="hold"/>
+                                        <p:tgtEl>
+                                          <p:spTgt spid="8">
+                                            <p:txEl>
+                                              <p:pRg st="0" end="0"/>
+                                            </p:txEl>
+                                          </p:spTgt>
+                                        </p:tgtEl>
+                                        <p:attrNameLst>
+                                          <p:attrName>ppt_y</p:attrName>
+                                        </p:attrNameLst>
+                                      </p:cBhvr>
+                                      <p:tavLst>
+                                        <p:tav tm="0">
+                                          <p:val>
+                                            <p:strVal val="#ppt_y+.1"/>
+                                          </p:val>
+                                        </p:tav>
+                                        <p:tav tm="100000">
+                                          <p:val>
+                                            <p:strVal val="#ppt_y"/>
+                                          </p:val>
+                                        </p:tav>
+                                      </p:tavLst>
+                                    </p:anim>
+                                  </p:childTnLst>
+                                </p:cTn>
+                              </p:par>
+                            </p:childTnLst>
+                          </p:cTn>
+                        </p:par>
+                      </p:childTnLst>
+                    </p:cTn>
+                  </p:par>
+                  <p:par>
+                    <p:cTn id="10" fill="hold">
+                      <p:stCondLst>
+                        <p:cond delay="indefinite"/>
+                      </p:stCondLst>
+                      <p:childTnLst>
+                        <p:par>
+                          <p:cTn id="11" fill="hold">
+                            <p:stCondLst>
+                              <p:cond delay="0"/>
+                            </p:stCondLst>
+                            <p:childTnLst>
+                              <p:par>
+                                <p:cTn id="12" presetID="42" presetClass="entr" presetSubtype="0" fill="hold" nodeType="clickEffect">
+                                  <p:stCondLst>
+                                    <p:cond delay="0"/>
+                                  </p:stCondLst>
+                                  <p:childTnLst>
+                                    <p:set>
+                                      <p:cBhvr>
+                                        <p:cTn id="13" dur="1" fill="hold">
+                                          <p:stCondLst>
+                                            <p:cond delay="0"/>
+                                          </p:stCondLst>
+                                        </p:cTn>
+                                        <p:tgtEl>
+                                          <p:spTgt spid="8">
+                                            <p:txEl>
+                                              <p:pRg st="1" end="1"/>
+                                            </p:txEl>
+                                          </p:spTgt>
+                                        </p:tgtEl>
+                                        <p:attrNameLst>
+                                          <p:attrName>style.visibility</p:attrName>
+                                        </p:attrNameLst>
+                                      </p:cBhvr>
+                                      <p:to>
+                                        <p:strVal val="visible"/>
+                                      </p:to>
+                                    </p:set>
+                                    <p:animEffect transition="in" filter="fade">
+                                      <p:cBhvr>
+                                        <p:cTn id="14" dur="1000"/>
+                                        <p:tgtEl>
+                                          <p:spTgt spid="8">
+                                            <p:txEl>
+                                              <p:pRg st="1" end="1"/>
+                                            </p:txEl>
+                                          </p:spTgt>
+                                        </p:tgtEl>
+                                      </p:cBhvr>
+                                    </p:animEffect>
+                                    <p:anim calcmode="lin" valueType="num">
+                                      <p:cBhvr>
+                                        <p:cTn id="15" dur="1000" fill="hold"/>
+                                        <p:tgtEl>
+                                          <p:spTgt spid="8">
+                                            <p:txEl>
+                                              <p:pRg st="1" end="1"/>
+                                            </p:txEl>
+                                          </p:spTgt>
+                                        </p:tgtEl>
+                                        <p:attrNameLst>
+                                          <p:attrName>ppt_x</p:attrName>
+                                        </p:attrNameLst>
+                                      </p:cBhvr>
+                                      <p:tavLst>
+                                        <p:tav tm="0">
+                                          <p:val>
+                                            <p:strVal val="#ppt_x"/>
+                                          </p:val>
+                                        </p:tav>
+                                        <p:tav tm="100000">
+                                          <p:val>
+                                            <p:strVal val="#ppt_x"/>
+                                          </p:val>
+                                        </p:tav>
+                                      </p:tavLst>
+                                    </p:anim>
+                                    <p:anim calcmode="lin" valueType="num">
+                                      <p:cBhvr>
+                                        <p:cTn id="16" dur="1000" fill="hold"/>
+                                        <p:tgtEl>
+                                          <p:spTgt spid="8">
+                                            <p:txEl>
+                                              <p:pRg st="1" end="1"/>
+                                            </p:txEl>
+                                          </p:spTgt>
+                                        </p:tgtEl>
+                                        <p:attrNameLst>
+                                          <p:attrName>ppt_y</p:attrName>
+                                        </p:attrNameLst>
+                                      </p:cBhvr>
+                                      <p:tavLst>
+                                        <p:tav tm="0">
+                                          <p:val>
+                                            <p:strVal val="#ppt_y+.1"/>
+                                          </p:val>
+                                        </p:tav>
+                                        <p:tav tm="100000">
+                                          <p:val>
+                                            <p:strVal val="#ppt_y"/>
+                                          </p:val>
+                                        </p:tav>
+                                      </p:tavLst>
+                                    </p:anim>
+                                  </p:childTnLst>
+                                </p:cTn>
+                              </p:par>
+                            </p:childTnLst>
+                          </p:cTn>
+                        </p:par>
+                      </p:childTnLst>
+                    </p:cTn>
+                  </p:par>
+                </p:childTnLst>
+              </p:cTn>
+              <p:prevCondLst>
+                <p:cond evt="onPrev" delay="0">
+                  <p:tgtEl>
+                    <p:sldTgt/>
+                  </p:tgtEl>
+                </p:cond>
+              </p:prevCondLst>
+              <p:nextCondLst>
+                <p:cond evt="onNext" delay="0">
+                  <p:tgtEl>
+                    <p:sldTgt/>
+                  </p:tgtEl>
+                </p:cond>
+              </p:nextCondLst>
+            </p:seq>
+          </p:childTnLst>
+        </p:cTn>
       </p:par>
     </p:tnLst>
   </p:timing>
@@ -23748,28 +24151,8 @@
           <a:p>
             <a:r>
               <a:rPr lang="en-US" dirty="0" smtClean="0"/>
-              <a:t>Thank you for attending my talk today. </a:t>
-            </a:r>
-          </a:p>
-          <a:p>
-            <a:endParaRPr lang="en-US" dirty="0" smtClean="0"/>
-          </a:p>
-          <a:p>
-            <a:r>
-              <a:rPr lang="en-US" dirty="0" smtClean="0"/>
-              <a:t>The slides are on GitHub</a:t>
-            </a:r>
-          </a:p>
-          <a:p>
-            <a:r>
-              <a:rPr lang="en-US" dirty="0" smtClean="0">
-                <a:hlinkClick r:id="rId2"/>
-              </a:rPr>
-              <a:t>http://github.com/mlfreeman2</a:t>
-            </a:r>
-            <a:endParaRPr lang="en-US" dirty="0" smtClean="0"/>
-          </a:p>
-          <a:p>
+              <a:t>Questions?</a:t>
+            </a:r>
             <a:endParaRPr lang="en-US" dirty="0"/>
           </a:p>
         </p:txBody>
@@ -23816,7 +24199,135 @@
             <a:fld id="{CD911897-AAF5-9F48-8CFE-C7A0C3E8F556}" type="datetime1">
               <a:rPr lang="en-US" smtClean="0"/>
               <a:pPr/>
-              <a:t>3/12/17</a:t>
+              <a:t>3/22/17</a:t>
+            </a:fld>
+            <a:endParaRPr lang="en-US" dirty="0"/>
+          </a:p>
+        </p:txBody>
+      </p:sp>
+    </p:spTree>
+    <p:extLst>
+      <p:ext uri="{BB962C8B-B14F-4D97-AF65-F5344CB8AC3E}">
+        <p14:creationId xmlns:p14="http://schemas.microsoft.com/office/powerpoint/2010/main" val="3660828530"/>
+      </p:ext>
+    </p:extLst>
+  </p:cSld>
+  <p:clrMapOvr>
+    <a:masterClrMapping/>
+  </p:clrMapOvr>
+  <p:timing>
+    <p:tnLst>
+      <p:par>
+        <p:cTn id="1" dur="indefinite" restart="never" nodeType="tmRoot"/>
+      </p:par>
+    </p:tnLst>
+  </p:timing>
+</p:sld>
+</file>
+
+<file path=ppt/slides/slide37.xml><?xml version="1.0" encoding="utf-8"?>
+<p:sld xmlns:a="http://schemas.openxmlformats.org/drawingml/2006/main" xmlns:r="http://schemas.openxmlformats.org/officeDocument/2006/relationships" xmlns:p="http://schemas.openxmlformats.org/presentationml/2006/main">
+  <p:cSld>
+    <p:spTree>
+      <p:nvGrpSpPr>
+        <p:cNvPr id="1" name=""/>
+        <p:cNvGrpSpPr/>
+        <p:nvPr/>
+      </p:nvGrpSpPr>
+      <p:grpSpPr>
+        <a:xfrm>
+          <a:off x="0" y="0"/>
+          <a:ext cx="0" cy="0"/>
+          <a:chOff x="0" y="0"/>
+          <a:chExt cx="0" cy="0"/>
+        </a:xfrm>
+      </p:grpSpPr>
+      <p:sp>
+        <p:nvSpPr>
+          <p:cNvPr id="10" name="Text Placeholder 9"/>
+          <p:cNvSpPr>
+            <a:spLocks noGrp="1"/>
+          </p:cNvSpPr>
+          <p:nvPr>
+            <p:ph type="body" sz="quarter" idx="11"/>
+          </p:nvPr>
+        </p:nvSpPr>
+        <p:spPr/>
+        <p:txBody>
+          <a:bodyPr/>
+          <a:lstStyle/>
+          <a:p>
+            <a:r>
+              <a:rPr lang="en-US" dirty="0" smtClean="0"/>
+              <a:t>Thank you for attending my talk today. </a:t>
+            </a:r>
+          </a:p>
+          <a:p>
+            <a:endParaRPr lang="en-US" dirty="0" smtClean="0"/>
+          </a:p>
+          <a:p>
+            <a:r>
+              <a:rPr lang="en-US" dirty="0" smtClean="0"/>
+              <a:t>The slides are on GitHub</a:t>
+            </a:r>
+          </a:p>
+          <a:p>
+            <a:r>
+              <a:rPr lang="en-US" dirty="0" smtClean="0">
+                <a:hlinkClick r:id="rId2"/>
+              </a:rPr>
+              <a:t>http://github.com/mlfreeman2</a:t>
+            </a:r>
+            <a:endParaRPr lang="en-US" dirty="0" smtClean="0"/>
+          </a:p>
+          <a:p>
+            <a:endParaRPr lang="en-US" dirty="0"/>
+          </a:p>
+        </p:txBody>
+      </p:sp>
+      <p:sp>
+        <p:nvSpPr>
+          <p:cNvPr id="5" name="Slide Number Placeholder 4"/>
+          <p:cNvSpPr>
+            <a:spLocks noGrp="1"/>
+          </p:cNvSpPr>
+          <p:nvPr>
+            <p:ph type="sldNum" sz="quarter" idx="4"/>
+          </p:nvPr>
+        </p:nvSpPr>
+        <p:spPr/>
+        <p:txBody>
+          <a:bodyPr/>
+          <a:lstStyle/>
+          <a:p>
+            <a:fld id="{64A8A213-8E92-D94A-82D7-8578C89CAF17}" type="slidenum">
+              <a:rPr lang="en-US" smtClean="0"/>
+              <a:pPr/>
+              <a:t>37</a:t>
+            </a:fld>
+            <a:endParaRPr lang="en-US" dirty="0"/>
+          </a:p>
+        </p:txBody>
+      </p:sp>
+      <p:sp>
+        <p:nvSpPr>
+          <p:cNvPr id="6" name="Date Placeholder 5"/>
+          <p:cNvSpPr>
+            <a:spLocks noGrp="1"/>
+          </p:cNvSpPr>
+          <p:nvPr>
+            <p:ph type="dt" sz="half" idx="2"/>
+          </p:nvPr>
+        </p:nvSpPr>
+        <p:spPr/>
+        <p:txBody>
+          <a:bodyPr/>
+          <a:lstStyle/>
+          <a:p>
+            <a:fld id="{CD911897-AAF5-9F48-8CFE-C7A0C3E8F556}" type="datetime1">
+              <a:rPr lang="en-US" smtClean="0"/>
+              <a:pPr/>
+              <a:t>3/22/17</a:t>
             </a:fld>
             <a:endParaRPr lang="en-US" dirty="0"/>
           </a:p>
@@ -23940,7 +24451,7 @@
             <a:fld id="{CD911897-AAF5-9F48-8CFE-C7A0C3E8F556}" type="datetime1">
               <a:rPr lang="en-US" smtClean="0"/>
               <a:pPr/>
-              <a:t>3/12/17</a:t>
+              <a:t>3/22/17</a:t>
             </a:fld>
             <a:endParaRPr lang="en-US" dirty="0"/>
           </a:p>
@@ -24732,7 +25243,7 @@
             <a:fld id="{CD911897-AAF5-9F48-8CFE-C7A0C3E8F556}" type="datetime1">
               <a:rPr lang="en-US" smtClean="0"/>
               <a:pPr/>
-              <a:t>3/12/17</a:t>
+              <a:t>3/22/17</a:t>
             </a:fld>
             <a:endParaRPr lang="en-US" dirty="0"/>
           </a:p>
@@ -26143,7 +26654,7 @@
             <a:fld id="{CD911897-AAF5-9F48-8CFE-C7A0C3E8F556}" type="datetime1">
               <a:rPr lang="en-US" smtClean="0"/>
               <a:pPr/>
-              <a:t>3/12/17</a:t>
+              <a:t>3/22/17</a:t>
             </a:fld>
             <a:endParaRPr lang="en-US" dirty="0"/>
           </a:p>
@@ -27270,7 +27781,7 @@
             <a:fld id="{CD911897-AAF5-9F48-8CFE-C7A0C3E8F556}" type="datetime1">
               <a:rPr lang="en-US" smtClean="0"/>
               <a:pPr/>
-              <a:t>3/12/17</a:t>
+              <a:t>3/22/17</a:t>
             </a:fld>
             <a:endParaRPr lang="en-US" dirty="0"/>
           </a:p>
@@ -28398,7 +28909,7 @@
             <a:fld id="{CD911897-AAF5-9F48-8CFE-C7A0C3E8F556}" type="datetime1">
               <a:rPr lang="en-US" smtClean="0"/>
               <a:pPr/>
-              <a:t>3/12/17</a:t>
+              <a:t>3/22/17</a:t>
             </a:fld>
             <a:endParaRPr lang="en-US" dirty="0"/>
           </a:p>
@@ -29610,7 +30121,7 @@
             <a:fld id="{CD911897-AAF5-9F48-8CFE-C7A0C3E8F556}" type="datetime1">
               <a:rPr lang="en-US" smtClean="0"/>
               <a:pPr/>
-              <a:t>3/12/17</a:t>
+              <a:t>3/22/17</a:t>
             </a:fld>
             <a:endParaRPr lang="en-US" dirty="0"/>
           </a:p>
